--- a/folien/02_Wissenschaftstheorie.pptx
+++ b/folien/02_Wissenschaftstheorie.pptx
@@ -6,10 +6,10 @@
     <p:sldMasterId id="2147485408" r:id="rId2"/>
   </p:sldMasterIdLst>
   <p:notesMasterIdLst>
-    <p:notesMasterId r:id="rId43"/>
+    <p:notesMasterId r:id="rId41"/>
   </p:notesMasterIdLst>
   <p:handoutMasterIdLst>
-    <p:handoutMasterId r:id="rId44"/>
+    <p:handoutMasterId r:id="rId42"/>
   </p:handoutMasterIdLst>
   <p:sldIdLst>
     <p:sldId id="440" r:id="rId3"/>
@@ -50,8 +50,6 @@
     <p:sldId id="667" r:id="rId38"/>
     <p:sldId id="668" r:id="rId39"/>
     <p:sldId id="674" r:id="rId40"/>
-    <p:sldId id="673" r:id="rId41"/>
-    <p:sldId id="616" r:id="rId42"/>
   </p:sldIdLst>
   <p:sldSz cx="9144000" cy="6858000" type="screen4x3"/>
   <p:notesSz cx="9874250" cy="6797675"/>
@@ -291,7 +289,7 @@
               <a:pPr>
                 <a:defRPr/>
               </a:pPr>
-              <a:t>11.04.2022</a:t>
+              <a:t>18.04.2022</a:t>
             </a:fld>
             <a:endParaRPr lang="de-DE"/>
           </a:p>
@@ -485,7 +483,7 @@
               <a:pPr>
                 <a:defRPr/>
               </a:pPr>
-              <a:t>11.04.2022</a:t>
+              <a:t>18.04.2022</a:t>
             </a:fld>
             <a:endParaRPr lang="de-DE"/>
           </a:p>
@@ -1397,98 +1395,6 @@
     <p:extLst>
       <p:ext uri="{BB962C8B-B14F-4D97-AF65-F5344CB8AC3E}">
         <p14:creationId xmlns:p14="http://schemas.microsoft.com/office/powerpoint/2010/main" val="2733684224"/>
-      </p:ext>
-    </p:extLst>
-  </p:cSld>
-  <p:clrMapOvr>
-    <a:masterClrMapping/>
-  </p:clrMapOvr>
-</p:notes>
-</file>
-
-<file path=ppt/notesSlides/notesSlide15.xml><?xml version="1.0" encoding="utf-8"?>
-<p:notes xmlns:a="http://schemas.openxmlformats.org/drawingml/2006/main" xmlns:r="http://schemas.openxmlformats.org/officeDocument/2006/relationships" xmlns:p="http://schemas.openxmlformats.org/presentationml/2006/main">
-  <p:cSld>
-    <p:spTree>
-      <p:nvGrpSpPr>
-        <p:cNvPr id="1" name=""/>
-        <p:cNvGrpSpPr/>
-        <p:nvPr/>
-      </p:nvGrpSpPr>
-      <p:grpSpPr>
-        <a:xfrm>
-          <a:off x="0" y="0"/>
-          <a:ext cx="0" cy="0"/>
-          <a:chOff x="0" y="0"/>
-          <a:chExt cx="0" cy="0"/>
-        </a:xfrm>
-      </p:grpSpPr>
-      <p:sp>
-        <p:nvSpPr>
-          <p:cNvPr id="2" name="Slide Image Placeholder 1"/>
-          <p:cNvSpPr>
-            <a:spLocks noGrp="1" noRot="1" noChangeAspect="1"/>
-          </p:cNvSpPr>
-          <p:nvPr>
-            <p:ph type="sldImg"/>
-          </p:nvPr>
-        </p:nvSpPr>
-        <p:spPr/>
-      </p:sp>
-      <p:sp>
-        <p:nvSpPr>
-          <p:cNvPr id="3" name="Notes Placeholder 2"/>
-          <p:cNvSpPr>
-            <a:spLocks noGrp="1"/>
-          </p:cNvSpPr>
-          <p:nvPr>
-            <p:ph type="body" idx="1"/>
-          </p:nvPr>
-        </p:nvSpPr>
-        <p:spPr/>
-        <p:txBody>
-          <a:bodyPr>
-            <a:normAutofit/>
-          </a:bodyPr>
-          <a:lstStyle/>
-          <a:p>
-            <a:endParaRPr lang="en-US" dirty="0"/>
-          </a:p>
-        </p:txBody>
-      </p:sp>
-      <p:sp>
-        <p:nvSpPr>
-          <p:cNvPr id="4" name="Slide Number Placeholder 3"/>
-          <p:cNvSpPr>
-            <a:spLocks noGrp="1"/>
-          </p:cNvSpPr>
-          <p:nvPr>
-            <p:ph type="sldNum" sz="quarter" idx="10"/>
-          </p:nvPr>
-        </p:nvSpPr>
-        <p:spPr/>
-        <p:txBody>
-          <a:bodyPr/>
-          <a:lstStyle/>
-          <a:p>
-            <a:pPr>
-              <a:defRPr/>
-            </a:pPr>
-            <a:fld id="{A9A593A6-8C95-4B28-ABF1-C4CAEDAF20C2}" type="slidenum">
-              <a:rPr lang="en-US" smtClean="0"/>
-              <a:pPr>
-                <a:defRPr/>
-              </a:pPr>
-              <a:t>40</a:t>
-            </a:fld>
-            <a:endParaRPr lang="en-US"/>
-          </a:p>
-        </p:txBody>
-      </p:sp>
-    </p:spTree>
-    <p:extLst>
-      <p:ext uri="{BB962C8B-B14F-4D97-AF65-F5344CB8AC3E}">
-        <p14:creationId xmlns:p14="http://schemas.microsoft.com/office/powerpoint/2010/main" val="3072157027"/>
       </p:ext>
     </p:extLst>
   </p:cSld>
@@ -17450,1911 +17356,6 @@
 </p:sld>
 </file>
 
-<file path=ppt/slides/slide39.xml><?xml version="1.0" encoding="utf-8"?>
-<p:sld xmlns:a="http://schemas.openxmlformats.org/drawingml/2006/main" xmlns:r="http://schemas.openxmlformats.org/officeDocument/2006/relationships" xmlns:p="http://schemas.openxmlformats.org/presentationml/2006/main">
-  <p:cSld>
-    <p:spTree>
-      <p:nvGrpSpPr>
-        <p:cNvPr id="1" name=""/>
-        <p:cNvGrpSpPr/>
-        <p:nvPr/>
-      </p:nvGrpSpPr>
-      <p:grpSpPr>
-        <a:xfrm>
-          <a:off x="0" y="0"/>
-          <a:ext cx="0" cy="0"/>
-          <a:chOff x="0" y="0"/>
-          <a:chExt cx="0" cy="0"/>
-        </a:xfrm>
-      </p:grpSpPr>
-      <p:sp>
-        <p:nvSpPr>
-          <p:cNvPr id="2" name="Titel 1"/>
-          <p:cNvSpPr>
-            <a:spLocks noGrp="1"/>
-          </p:cNvSpPr>
-          <p:nvPr>
-            <p:ph type="title"/>
-          </p:nvPr>
-        </p:nvSpPr>
-        <p:spPr/>
-        <p:txBody>
-          <a:bodyPr/>
-          <a:lstStyle/>
-          <a:p>
-            <a:r>
-              <a:rPr lang="de-DE" dirty="0"/>
-              <a:t>Ausblick</a:t>
-            </a:r>
-          </a:p>
-        </p:txBody>
-      </p:sp>
-      <p:sp>
-        <p:nvSpPr>
-          <p:cNvPr id="4" name="Foliennummernplatzhalter 3"/>
-          <p:cNvSpPr>
-            <a:spLocks noGrp="1"/>
-          </p:cNvSpPr>
-          <p:nvPr>
-            <p:ph type="sldNum" sz="quarter" idx="10"/>
-          </p:nvPr>
-        </p:nvSpPr>
-        <p:spPr/>
-        <p:txBody>
-          <a:bodyPr/>
-          <a:lstStyle/>
-          <a:p>
-            <a:pPr>
-              <a:defRPr/>
-            </a:pPr>
-            <a:fld id="{2C23C119-43D2-4BB6-A9D1-9059390EACA3}" type="slidenum">
-              <a:rPr lang="de-DE" altLang="en-US" smtClean="0"/>
-              <a:pPr>
-                <a:defRPr/>
-              </a:pPr>
-              <a:t>39</a:t>
-            </a:fld>
-            <a:endParaRPr lang="de-DE" altLang="en-US"/>
-          </a:p>
-        </p:txBody>
-      </p:sp>
-      <p:graphicFrame>
-        <p:nvGraphicFramePr>
-          <p:cNvPr id="6" name="Tabelle 5"/>
-          <p:cNvGraphicFramePr>
-            <a:graphicFrameLocks noGrp="1"/>
-          </p:cNvGraphicFramePr>
-          <p:nvPr/>
-        </p:nvGraphicFramePr>
-        <p:xfrm>
-          <a:off x="450000" y="1280942"/>
-          <a:ext cx="8236800" cy="4894800"/>
-        </p:xfrm>
-        <a:graphic>
-          <a:graphicData uri="http://schemas.openxmlformats.org/drawingml/2006/table">
-            <a:tbl>
-              <a:tblPr firstRow="1" bandRow="1">
-                <a:tableStyleId>{5C22544A-7EE6-4342-B048-85BDC9FD1C3A}</a:tableStyleId>
-              </a:tblPr>
-              <a:tblGrid>
-                <a:gridCol w="972400">
-                  <a:extLst>
-                    <a:ext uri="{9D8B030D-6E8A-4147-A177-3AD203B41FA5}">
-                      <a16:colId xmlns:a16="http://schemas.microsoft.com/office/drawing/2014/main" val="1292335670"/>
-                    </a:ext>
-                  </a:extLst>
-                </a:gridCol>
-                <a:gridCol w="1371600">
-                  <a:extLst>
-                    <a:ext uri="{9D8B030D-6E8A-4147-A177-3AD203B41FA5}">
-                      <a16:colId xmlns:a16="http://schemas.microsoft.com/office/drawing/2014/main" val="3095342147"/>
-                    </a:ext>
-                  </a:extLst>
-                </a:gridCol>
-                <a:gridCol w="5892800">
-                  <a:extLst>
-                    <a:ext uri="{9D8B030D-6E8A-4147-A177-3AD203B41FA5}">
-                      <a16:colId xmlns:a16="http://schemas.microsoft.com/office/drawing/2014/main" val="1844241231"/>
-                    </a:ext>
-                  </a:extLst>
-                </a:gridCol>
-              </a:tblGrid>
-              <a:tr h="0">
-                <a:tc>
-                  <a:txBody>
-                    <a:bodyPr/>
-                    <a:lstStyle/>
-                    <a:p>
-                      <a:pPr algn="ctr">
-                        <a:lnSpc>
-                          <a:spcPct val="100000"/>
-                        </a:lnSpc>
-                      </a:pPr>
-                      <a:r>
-                        <a:rPr lang="de-DE" sz="1400" dirty="0"/>
-                        <a:t>Datum</a:t>
-                      </a:r>
-                    </a:p>
-                  </a:txBody>
-                  <a:tcPr/>
-                </a:tc>
-                <a:tc>
-                  <a:txBody>
-                    <a:bodyPr/>
-                    <a:lstStyle/>
-                    <a:p>
-                      <a:pPr algn="ctr">
-                        <a:lnSpc>
-                          <a:spcPct val="100000"/>
-                        </a:lnSpc>
-                      </a:pPr>
-                      <a:r>
-                        <a:rPr lang="de-DE" sz="1400" dirty="0"/>
-                        <a:t>Form</a:t>
-                      </a:r>
-                    </a:p>
-                  </a:txBody>
-                  <a:tcPr/>
-                </a:tc>
-                <a:tc>
-                  <a:txBody>
-                    <a:bodyPr/>
-                    <a:lstStyle/>
-                    <a:p>
-                      <a:pPr algn="l">
-                        <a:lnSpc>
-                          <a:spcPct val="100000"/>
-                        </a:lnSpc>
-                      </a:pPr>
-                      <a:r>
-                        <a:rPr lang="de-DE" sz="1400" dirty="0"/>
-                        <a:t>Thema</a:t>
-                      </a:r>
-                    </a:p>
-                  </a:txBody>
-                  <a:tcPr/>
-                </a:tc>
-                <a:extLst>
-                  <a:ext uri="{0D108BD9-81ED-4DB2-BD59-A6C34878D82A}">
-                    <a16:rowId xmlns:a16="http://schemas.microsoft.com/office/drawing/2014/main" val="627289820"/>
-                  </a:ext>
-                </a:extLst>
-              </a:tr>
-              <a:tr h="306000">
-                <a:tc>
-                  <a:txBody>
-                    <a:bodyPr/>
-                    <a:lstStyle/>
-                    <a:p>
-                      <a:pPr algn="ctr">
-                        <a:lnSpc>
-                          <a:spcPct val="107000"/>
-                        </a:lnSpc>
-                        <a:spcBef>
-                          <a:spcPts val="200"/>
-                        </a:spcBef>
-                        <a:spcAft>
-                          <a:spcPts val="200"/>
-                        </a:spcAft>
-                      </a:pPr>
-                      <a:r>
-                        <a:rPr lang="de-DE" sz="1400" dirty="0">
-                          <a:effectLst/>
-                          <a:latin typeface="Arial" panose="020B0604020202020204" pitchFamily="34" charset="0"/>
-                          <a:ea typeface="Calibri" panose="020F0502020204030204" pitchFamily="34" charset="0"/>
-                          <a:cs typeface="Times New Roman" panose="02020603050405020304" pitchFamily="18" charset="0"/>
-                        </a:rPr>
-                        <a:t>05.04.22</a:t>
-                      </a:r>
-                      <a:endParaRPr lang="de-DE" sz="1800" dirty="0">
-                        <a:effectLst/>
-                        <a:latin typeface="Calibri" panose="020F0502020204030204" pitchFamily="34" charset="0"/>
-                        <a:ea typeface="Calibri" panose="020F0502020204030204" pitchFamily="34" charset="0"/>
-                        <a:cs typeface="Times New Roman" panose="02020603050405020304" pitchFamily="18" charset="0"/>
-                      </a:endParaRPr>
-                    </a:p>
-                  </a:txBody>
-                  <a:tcPr marL="68580" marR="68580" marT="0" marB="0" anchor="ctr"/>
-                </a:tc>
-                <a:tc>
-                  <a:txBody>
-                    <a:bodyPr/>
-                    <a:lstStyle/>
-                    <a:p>
-                      <a:pPr algn="ctr">
-                        <a:lnSpc>
-                          <a:spcPct val="107000"/>
-                        </a:lnSpc>
-                        <a:spcBef>
-                          <a:spcPts val="200"/>
-                        </a:spcBef>
-                        <a:spcAft>
-                          <a:spcPts val="200"/>
-                        </a:spcAft>
-                      </a:pPr>
-                      <a:r>
-                        <a:rPr lang="de-DE" sz="1400" dirty="0">
-                          <a:effectLst/>
-                          <a:latin typeface="Arial" panose="020B0604020202020204" pitchFamily="34" charset="0"/>
-                          <a:ea typeface="Calibri" panose="020F0502020204030204" pitchFamily="34" charset="0"/>
-                          <a:cs typeface="Times New Roman" panose="02020603050405020304" pitchFamily="18" charset="0"/>
-                        </a:rPr>
-                        <a:t>Präsenz</a:t>
-                      </a:r>
-                      <a:endParaRPr lang="de-DE" sz="1800" dirty="0">
-                        <a:effectLst/>
-                        <a:latin typeface="Calibri" panose="020F0502020204030204" pitchFamily="34" charset="0"/>
-                        <a:ea typeface="Calibri" panose="020F0502020204030204" pitchFamily="34" charset="0"/>
-                        <a:cs typeface="Times New Roman" panose="02020603050405020304" pitchFamily="18" charset="0"/>
-                      </a:endParaRPr>
-                    </a:p>
-                  </a:txBody>
-                  <a:tcPr marL="68580" marR="68580" marT="0" marB="0" anchor="ctr"/>
-                </a:tc>
-                <a:tc>
-                  <a:txBody>
-                    <a:bodyPr/>
-                    <a:lstStyle/>
-                    <a:p>
-                      <a:pPr algn="l">
-                        <a:lnSpc>
-                          <a:spcPct val="107000"/>
-                        </a:lnSpc>
-                        <a:spcBef>
-                          <a:spcPts val="200"/>
-                        </a:spcBef>
-                        <a:spcAft>
-                          <a:spcPts val="200"/>
-                        </a:spcAft>
-                      </a:pPr>
-                      <a:r>
-                        <a:rPr lang="de-DE" sz="1400" dirty="0">
-                          <a:effectLst/>
-                          <a:latin typeface="Arial" panose="020B0604020202020204" pitchFamily="34" charset="0"/>
-                          <a:ea typeface="Calibri" panose="020F0502020204030204" pitchFamily="34" charset="0"/>
-                          <a:cs typeface="Times New Roman" panose="02020603050405020304" pitchFamily="18" charset="0"/>
-                        </a:rPr>
-                        <a:t>Einführung</a:t>
-                      </a:r>
-                      <a:endParaRPr lang="de-DE" sz="1800" dirty="0">
-                        <a:effectLst/>
-                        <a:latin typeface="Calibri" panose="020F0502020204030204" pitchFamily="34" charset="0"/>
-                        <a:ea typeface="Calibri" panose="020F0502020204030204" pitchFamily="34" charset="0"/>
-                        <a:cs typeface="Times New Roman" panose="02020603050405020304" pitchFamily="18" charset="0"/>
-                      </a:endParaRPr>
-                    </a:p>
-                  </a:txBody>
-                  <a:tcPr marL="68580" marR="68580" marT="0" marB="0" anchor="ctr"/>
-                </a:tc>
-                <a:extLst>
-                  <a:ext uri="{0D108BD9-81ED-4DB2-BD59-A6C34878D82A}">
-                    <a16:rowId xmlns:a16="http://schemas.microsoft.com/office/drawing/2014/main" val="1635773657"/>
-                  </a:ext>
-                </a:extLst>
-              </a:tr>
-              <a:tr h="306000">
-                <a:tc>
-                  <a:txBody>
-                    <a:bodyPr/>
-                    <a:lstStyle/>
-                    <a:p>
-                      <a:pPr algn="ctr">
-                        <a:lnSpc>
-                          <a:spcPct val="107000"/>
-                        </a:lnSpc>
-                        <a:spcBef>
-                          <a:spcPts val="200"/>
-                        </a:spcBef>
-                        <a:spcAft>
-                          <a:spcPts val="200"/>
-                        </a:spcAft>
-                      </a:pPr>
-                      <a:r>
-                        <a:rPr lang="de-DE" sz="1400" dirty="0">
-                          <a:effectLst/>
-                          <a:latin typeface="Arial" panose="020B0604020202020204" pitchFamily="34" charset="0"/>
-                          <a:ea typeface="Calibri" panose="020F0502020204030204" pitchFamily="34" charset="0"/>
-                          <a:cs typeface="Times New Roman" panose="02020603050405020304" pitchFamily="18" charset="0"/>
-                        </a:rPr>
-                        <a:t>12.04.22</a:t>
-                      </a:r>
-                      <a:endParaRPr lang="de-DE" sz="1800" dirty="0">
-                        <a:effectLst/>
-                        <a:latin typeface="Calibri" panose="020F0502020204030204" pitchFamily="34" charset="0"/>
-                        <a:ea typeface="Calibri" panose="020F0502020204030204" pitchFamily="34" charset="0"/>
-                        <a:cs typeface="Times New Roman" panose="02020603050405020304" pitchFamily="18" charset="0"/>
-                      </a:endParaRPr>
-                    </a:p>
-                  </a:txBody>
-                  <a:tcPr marL="68580" marR="68580" marT="0" marB="0" anchor="ctr"/>
-                </a:tc>
-                <a:tc>
-                  <a:txBody>
-                    <a:bodyPr/>
-                    <a:lstStyle/>
-                    <a:p>
-                      <a:pPr algn="ctr">
-                        <a:lnSpc>
-                          <a:spcPct val="107000"/>
-                        </a:lnSpc>
-                        <a:spcBef>
-                          <a:spcPts val="200"/>
-                        </a:spcBef>
-                        <a:spcAft>
-                          <a:spcPts val="200"/>
-                        </a:spcAft>
-                      </a:pPr>
-                      <a:r>
-                        <a:rPr lang="de-DE" sz="1400" dirty="0">
-                          <a:effectLst/>
-                          <a:latin typeface="Arial" panose="020B0604020202020204" pitchFamily="34" charset="0"/>
-                          <a:ea typeface="Calibri" panose="020F0502020204030204" pitchFamily="34" charset="0"/>
-                          <a:cs typeface="Times New Roman" panose="02020603050405020304" pitchFamily="18" charset="0"/>
-                        </a:rPr>
-                        <a:t>Präsenz</a:t>
-                      </a:r>
-                      <a:endParaRPr lang="de-DE" sz="1800" dirty="0">
-                        <a:effectLst/>
-                        <a:latin typeface="Calibri" panose="020F0502020204030204" pitchFamily="34" charset="0"/>
-                        <a:ea typeface="Calibri" panose="020F0502020204030204" pitchFamily="34" charset="0"/>
-                        <a:cs typeface="Times New Roman" panose="02020603050405020304" pitchFamily="18" charset="0"/>
-                      </a:endParaRPr>
-                    </a:p>
-                  </a:txBody>
-                  <a:tcPr marL="68580" marR="68580" marT="0" marB="0" anchor="ctr"/>
-                </a:tc>
-                <a:tc>
-                  <a:txBody>
-                    <a:bodyPr/>
-                    <a:lstStyle/>
-                    <a:p>
-                      <a:pPr algn="l">
-                        <a:lnSpc>
-                          <a:spcPct val="107000"/>
-                        </a:lnSpc>
-                        <a:spcBef>
-                          <a:spcPts val="200"/>
-                        </a:spcBef>
-                        <a:spcAft>
-                          <a:spcPts val="200"/>
-                        </a:spcAft>
-                      </a:pPr>
-                      <a:r>
-                        <a:rPr lang="de-DE" sz="1400" dirty="0">
-                          <a:effectLst/>
-                          <a:latin typeface="Arial" panose="020B0604020202020204" pitchFamily="34" charset="0"/>
-                          <a:ea typeface="Calibri" panose="020F0502020204030204" pitchFamily="34" charset="0"/>
-                          <a:cs typeface="Times New Roman" panose="02020603050405020304" pitchFamily="18" charset="0"/>
-                        </a:rPr>
-                        <a:t>Wissenschaftstheorie</a:t>
-                      </a:r>
-                      <a:endParaRPr lang="de-DE" sz="1800" dirty="0">
-                        <a:effectLst/>
-                        <a:latin typeface="Calibri" panose="020F0502020204030204" pitchFamily="34" charset="0"/>
-                        <a:ea typeface="Calibri" panose="020F0502020204030204" pitchFamily="34" charset="0"/>
-                        <a:cs typeface="Times New Roman" panose="02020603050405020304" pitchFamily="18" charset="0"/>
-                      </a:endParaRPr>
-                    </a:p>
-                  </a:txBody>
-                  <a:tcPr marL="68580" marR="68580" marT="0" marB="0" anchor="ctr"/>
-                </a:tc>
-                <a:extLst>
-                  <a:ext uri="{0D108BD9-81ED-4DB2-BD59-A6C34878D82A}">
-                    <a16:rowId xmlns:a16="http://schemas.microsoft.com/office/drawing/2014/main" val="1533228083"/>
-                  </a:ext>
-                </a:extLst>
-              </a:tr>
-              <a:tr h="306000">
-                <a:tc>
-                  <a:txBody>
-                    <a:bodyPr/>
-                    <a:lstStyle/>
-                    <a:p>
-                      <a:pPr algn="ctr">
-                        <a:lnSpc>
-                          <a:spcPct val="107000"/>
-                        </a:lnSpc>
-                        <a:spcBef>
-                          <a:spcPts val="200"/>
-                        </a:spcBef>
-                        <a:spcAft>
-                          <a:spcPts val="200"/>
-                        </a:spcAft>
-                      </a:pPr>
-                      <a:r>
-                        <a:rPr lang="de-DE" sz="1400" dirty="0">
-                          <a:effectLst/>
-                          <a:latin typeface="Arial" panose="020B0604020202020204" pitchFamily="34" charset="0"/>
-                          <a:ea typeface="Calibri" panose="020F0502020204030204" pitchFamily="34" charset="0"/>
-                          <a:cs typeface="Times New Roman" panose="02020603050405020304" pitchFamily="18" charset="0"/>
-                        </a:rPr>
-                        <a:t>19.04.22</a:t>
-                      </a:r>
-                      <a:endParaRPr lang="de-DE" sz="1800" dirty="0">
-                        <a:effectLst/>
-                        <a:latin typeface="Calibri" panose="020F0502020204030204" pitchFamily="34" charset="0"/>
-                        <a:ea typeface="Calibri" panose="020F0502020204030204" pitchFamily="34" charset="0"/>
-                        <a:cs typeface="Times New Roman" panose="02020603050405020304" pitchFamily="18" charset="0"/>
-                      </a:endParaRPr>
-                    </a:p>
-                  </a:txBody>
-                  <a:tcPr marL="68580" marR="68580" marT="0" marB="0" anchor="ctr"/>
-                </a:tc>
-                <a:tc>
-                  <a:txBody>
-                    <a:bodyPr/>
-                    <a:lstStyle/>
-                    <a:p>
-                      <a:pPr algn="ctr">
-                        <a:lnSpc>
-                          <a:spcPct val="107000"/>
-                        </a:lnSpc>
-                        <a:spcBef>
-                          <a:spcPts val="200"/>
-                        </a:spcBef>
-                        <a:spcAft>
-                          <a:spcPts val="200"/>
-                        </a:spcAft>
-                      </a:pPr>
-                      <a:r>
-                        <a:rPr lang="de-DE" sz="1400" dirty="0">
-                          <a:effectLst/>
-                          <a:latin typeface="Arial" panose="020B0604020202020204" pitchFamily="34" charset="0"/>
-                          <a:ea typeface="Calibri" panose="020F0502020204030204" pitchFamily="34" charset="0"/>
-                          <a:cs typeface="Times New Roman" panose="02020603050405020304" pitchFamily="18" charset="0"/>
-                        </a:rPr>
-                        <a:t>Präsenz</a:t>
-                      </a:r>
-                      <a:endParaRPr lang="de-DE" sz="1800" dirty="0">
-                        <a:effectLst/>
-                        <a:latin typeface="Calibri" panose="020F0502020204030204" pitchFamily="34" charset="0"/>
-                        <a:ea typeface="Calibri" panose="020F0502020204030204" pitchFamily="34" charset="0"/>
-                        <a:cs typeface="Times New Roman" panose="02020603050405020304" pitchFamily="18" charset="0"/>
-                      </a:endParaRPr>
-                    </a:p>
-                  </a:txBody>
-                  <a:tcPr marL="68580" marR="68580" marT="0" marB="0" anchor="ctr"/>
-                </a:tc>
-                <a:tc>
-                  <a:txBody>
-                    <a:bodyPr/>
-                    <a:lstStyle/>
-                    <a:p>
-                      <a:pPr algn="l">
-                        <a:lnSpc>
-                          <a:spcPct val="107000"/>
-                        </a:lnSpc>
-                        <a:spcBef>
-                          <a:spcPts val="200"/>
-                        </a:spcBef>
-                        <a:spcAft>
-                          <a:spcPts val="200"/>
-                        </a:spcAft>
-                      </a:pPr>
-                      <a:r>
-                        <a:rPr lang="de-DE" sz="1400" dirty="0">
-                          <a:effectLst/>
-                          <a:latin typeface="Arial" panose="020B0604020202020204" pitchFamily="34" charset="0"/>
-                          <a:ea typeface="Calibri" panose="020F0502020204030204" pitchFamily="34" charset="0"/>
-                          <a:cs typeface="Times New Roman" panose="02020603050405020304" pitchFamily="18" charset="0"/>
-                        </a:rPr>
-                        <a:t>Identifikation pädagogischer Textarten &amp; Methoden der Texterschließung</a:t>
-                      </a:r>
-                      <a:endParaRPr lang="de-DE" sz="1800" dirty="0">
-                        <a:effectLst/>
-                        <a:latin typeface="Calibri" panose="020F0502020204030204" pitchFamily="34" charset="0"/>
-                        <a:ea typeface="Calibri" panose="020F0502020204030204" pitchFamily="34" charset="0"/>
-                        <a:cs typeface="Times New Roman" panose="02020603050405020304" pitchFamily="18" charset="0"/>
-                      </a:endParaRPr>
-                    </a:p>
-                  </a:txBody>
-                  <a:tcPr marL="68580" marR="68580" marT="0" marB="0" anchor="ctr"/>
-                </a:tc>
-                <a:extLst>
-                  <a:ext uri="{0D108BD9-81ED-4DB2-BD59-A6C34878D82A}">
-                    <a16:rowId xmlns:a16="http://schemas.microsoft.com/office/drawing/2014/main" val="970786126"/>
-                  </a:ext>
-                </a:extLst>
-              </a:tr>
-              <a:tr h="306000">
-                <a:tc>
-                  <a:txBody>
-                    <a:bodyPr/>
-                    <a:lstStyle/>
-                    <a:p>
-                      <a:pPr algn="ctr">
-                        <a:lnSpc>
-                          <a:spcPct val="107000"/>
-                        </a:lnSpc>
-                        <a:spcBef>
-                          <a:spcPts val="200"/>
-                        </a:spcBef>
-                        <a:spcAft>
-                          <a:spcPts val="200"/>
-                        </a:spcAft>
-                      </a:pPr>
-                      <a:r>
-                        <a:rPr lang="de-DE" sz="1400" dirty="0">
-                          <a:effectLst/>
-                          <a:latin typeface="Arial" panose="020B0604020202020204" pitchFamily="34" charset="0"/>
-                          <a:ea typeface="Calibri" panose="020F0502020204030204" pitchFamily="34" charset="0"/>
-                          <a:cs typeface="Times New Roman" panose="02020603050405020304" pitchFamily="18" charset="0"/>
-                        </a:rPr>
-                        <a:t>26.04.22</a:t>
-                      </a:r>
-                      <a:endParaRPr lang="de-DE" sz="1800" dirty="0">
-                        <a:effectLst/>
-                        <a:latin typeface="Calibri" panose="020F0502020204030204" pitchFamily="34" charset="0"/>
-                        <a:ea typeface="Calibri" panose="020F0502020204030204" pitchFamily="34" charset="0"/>
-                        <a:cs typeface="Times New Roman" panose="02020603050405020304" pitchFamily="18" charset="0"/>
-                      </a:endParaRPr>
-                    </a:p>
-                  </a:txBody>
-                  <a:tcPr marL="68580" marR="68580" marT="0" marB="0" anchor="ctr"/>
-                </a:tc>
-                <a:tc>
-                  <a:txBody>
-                    <a:bodyPr/>
-                    <a:lstStyle/>
-                    <a:p>
-                      <a:pPr algn="ctr">
-                        <a:lnSpc>
-                          <a:spcPct val="107000"/>
-                        </a:lnSpc>
-                        <a:spcBef>
-                          <a:spcPts val="200"/>
-                        </a:spcBef>
-                        <a:spcAft>
-                          <a:spcPts val="200"/>
-                        </a:spcAft>
-                      </a:pPr>
-                      <a:r>
-                        <a:rPr lang="de-DE" sz="1400" dirty="0">
-                          <a:effectLst/>
-                          <a:latin typeface="Arial" panose="020B0604020202020204" pitchFamily="34" charset="0"/>
-                          <a:ea typeface="Calibri" panose="020F0502020204030204" pitchFamily="34" charset="0"/>
-                          <a:cs typeface="Times New Roman" panose="02020603050405020304" pitchFamily="18" charset="0"/>
-                        </a:rPr>
-                        <a:t>Präsenz</a:t>
-                      </a:r>
-                      <a:endParaRPr lang="de-DE" sz="1800" dirty="0">
-                        <a:effectLst/>
-                        <a:latin typeface="Calibri" panose="020F0502020204030204" pitchFamily="34" charset="0"/>
-                        <a:ea typeface="Calibri" panose="020F0502020204030204" pitchFamily="34" charset="0"/>
-                        <a:cs typeface="Times New Roman" panose="02020603050405020304" pitchFamily="18" charset="0"/>
-                      </a:endParaRPr>
-                    </a:p>
-                  </a:txBody>
-                  <a:tcPr marL="68580" marR="68580" marT="0" marB="0" anchor="ctr"/>
-                </a:tc>
-                <a:tc>
-                  <a:txBody>
-                    <a:bodyPr/>
-                    <a:lstStyle/>
-                    <a:p>
-                      <a:pPr algn="l">
-                        <a:lnSpc>
-                          <a:spcPct val="107000"/>
-                        </a:lnSpc>
-                        <a:spcBef>
-                          <a:spcPts val="200"/>
-                        </a:spcBef>
-                        <a:spcAft>
-                          <a:spcPts val="200"/>
-                        </a:spcAft>
-                      </a:pPr>
-                      <a:r>
-                        <a:rPr lang="de-DE" sz="1400" dirty="0">
-                          <a:effectLst/>
-                          <a:latin typeface="Arial" panose="020B0604020202020204" pitchFamily="34" charset="0"/>
-                          <a:ea typeface="Calibri" panose="020F0502020204030204" pitchFamily="34" charset="0"/>
-                          <a:cs typeface="Times New Roman" panose="02020603050405020304" pitchFamily="18" charset="0"/>
-                        </a:rPr>
-                        <a:t>Literaturrecherche</a:t>
-                      </a:r>
-                      <a:endParaRPr lang="de-DE" sz="1800" dirty="0">
-                        <a:effectLst/>
-                        <a:latin typeface="Calibri" panose="020F0502020204030204" pitchFamily="34" charset="0"/>
-                        <a:ea typeface="Calibri" panose="020F0502020204030204" pitchFamily="34" charset="0"/>
-                        <a:cs typeface="Times New Roman" panose="02020603050405020304" pitchFamily="18" charset="0"/>
-                      </a:endParaRPr>
-                    </a:p>
-                  </a:txBody>
-                  <a:tcPr marL="68580" marR="68580" marT="0" marB="0" anchor="ctr"/>
-                </a:tc>
-                <a:extLst>
-                  <a:ext uri="{0D108BD9-81ED-4DB2-BD59-A6C34878D82A}">
-                    <a16:rowId xmlns:a16="http://schemas.microsoft.com/office/drawing/2014/main" val="3497173745"/>
-                  </a:ext>
-                </a:extLst>
-              </a:tr>
-              <a:tr h="306000">
-                <a:tc>
-                  <a:txBody>
-                    <a:bodyPr/>
-                    <a:lstStyle/>
-                    <a:p>
-                      <a:pPr algn="ctr">
-                        <a:lnSpc>
-                          <a:spcPct val="107000"/>
-                        </a:lnSpc>
-                        <a:spcBef>
-                          <a:spcPts val="200"/>
-                        </a:spcBef>
-                        <a:spcAft>
-                          <a:spcPts val="200"/>
-                        </a:spcAft>
-                      </a:pPr>
-                      <a:r>
-                        <a:rPr lang="de-DE" sz="1400">
-                          <a:effectLst/>
-                          <a:latin typeface="Arial" panose="020B0604020202020204" pitchFamily="34" charset="0"/>
-                          <a:ea typeface="Calibri" panose="020F0502020204030204" pitchFamily="34" charset="0"/>
-                          <a:cs typeface="Times New Roman" panose="02020603050405020304" pitchFamily="18" charset="0"/>
-                        </a:rPr>
-                        <a:t>03.05.22</a:t>
-                      </a:r>
-                      <a:endParaRPr lang="de-DE" sz="1800">
-                        <a:effectLst/>
-                        <a:latin typeface="Calibri" panose="020F0502020204030204" pitchFamily="34" charset="0"/>
-                        <a:ea typeface="Calibri" panose="020F0502020204030204" pitchFamily="34" charset="0"/>
-                        <a:cs typeface="Times New Roman" panose="02020603050405020304" pitchFamily="18" charset="0"/>
-                      </a:endParaRPr>
-                    </a:p>
-                  </a:txBody>
-                  <a:tcPr marL="68580" marR="68580" marT="0" marB="0" anchor="ctr"/>
-                </a:tc>
-                <a:tc>
-                  <a:txBody>
-                    <a:bodyPr/>
-                    <a:lstStyle/>
-                    <a:p>
-                      <a:pPr algn="ctr">
-                        <a:lnSpc>
-                          <a:spcPct val="107000"/>
-                        </a:lnSpc>
-                        <a:spcBef>
-                          <a:spcPts val="200"/>
-                        </a:spcBef>
-                        <a:spcAft>
-                          <a:spcPts val="200"/>
-                        </a:spcAft>
-                      </a:pPr>
-                      <a:r>
-                        <a:rPr lang="de-DE" sz="1400" dirty="0">
-                          <a:effectLst/>
-                          <a:latin typeface="Arial" panose="020B0604020202020204" pitchFamily="34" charset="0"/>
-                          <a:ea typeface="Calibri" panose="020F0502020204030204" pitchFamily="34" charset="0"/>
-                          <a:cs typeface="Times New Roman" panose="02020603050405020304" pitchFamily="18" charset="0"/>
-                        </a:rPr>
-                        <a:t>Digital (Zoom)</a:t>
-                      </a:r>
-                    </a:p>
-                  </a:txBody>
-                  <a:tcPr marL="68580" marR="68580" marT="0" marB="0" anchor="ctr"/>
-                </a:tc>
-                <a:tc>
-                  <a:txBody>
-                    <a:bodyPr/>
-                    <a:lstStyle/>
-                    <a:p>
-                      <a:pPr algn="l">
-                        <a:lnSpc>
-                          <a:spcPct val="107000"/>
-                        </a:lnSpc>
-                        <a:spcBef>
-                          <a:spcPts val="200"/>
-                        </a:spcBef>
-                        <a:spcAft>
-                          <a:spcPts val="200"/>
-                        </a:spcAft>
-                      </a:pPr>
-                      <a:r>
-                        <a:rPr lang="de-DE" sz="1400" dirty="0">
-                          <a:effectLst/>
-                          <a:latin typeface="Arial" panose="020B0604020202020204" pitchFamily="34" charset="0"/>
-                          <a:ea typeface="Calibri" panose="020F0502020204030204" pitchFamily="34" charset="0"/>
-                          <a:cs typeface="Times New Roman" panose="02020603050405020304" pitchFamily="18" charset="0"/>
-                        </a:rPr>
-                        <a:t>Literaturverwaltung &amp; Zitation</a:t>
-                      </a:r>
-                      <a:endParaRPr lang="de-DE" sz="1800" dirty="0">
-                        <a:effectLst/>
-                        <a:latin typeface="Calibri" panose="020F0502020204030204" pitchFamily="34" charset="0"/>
-                        <a:ea typeface="Calibri" panose="020F0502020204030204" pitchFamily="34" charset="0"/>
-                        <a:cs typeface="Times New Roman" panose="02020603050405020304" pitchFamily="18" charset="0"/>
-                      </a:endParaRPr>
-                    </a:p>
-                  </a:txBody>
-                  <a:tcPr marL="68580" marR="68580" marT="0" marB="0" anchor="ctr"/>
-                </a:tc>
-                <a:extLst>
-                  <a:ext uri="{0D108BD9-81ED-4DB2-BD59-A6C34878D82A}">
-                    <a16:rowId xmlns:a16="http://schemas.microsoft.com/office/drawing/2014/main" val="3068571133"/>
-                  </a:ext>
-                </a:extLst>
-              </a:tr>
-              <a:tr h="306000">
-                <a:tc>
-                  <a:txBody>
-                    <a:bodyPr/>
-                    <a:lstStyle/>
-                    <a:p>
-                      <a:pPr algn="ctr">
-                        <a:lnSpc>
-                          <a:spcPct val="107000"/>
-                        </a:lnSpc>
-                        <a:spcBef>
-                          <a:spcPts val="200"/>
-                        </a:spcBef>
-                        <a:spcAft>
-                          <a:spcPts val="200"/>
-                        </a:spcAft>
-                      </a:pPr>
-                      <a:r>
-                        <a:rPr lang="de-DE" sz="1400">
-                          <a:effectLst/>
-                          <a:latin typeface="Arial" panose="020B0604020202020204" pitchFamily="34" charset="0"/>
-                          <a:ea typeface="Calibri" panose="020F0502020204030204" pitchFamily="34" charset="0"/>
-                          <a:cs typeface="Times New Roman" panose="02020603050405020304" pitchFamily="18" charset="0"/>
-                        </a:rPr>
-                        <a:t>10.05.22</a:t>
-                      </a:r>
-                      <a:endParaRPr lang="de-DE" sz="1800">
-                        <a:effectLst/>
-                        <a:latin typeface="Calibri" panose="020F0502020204030204" pitchFamily="34" charset="0"/>
-                        <a:ea typeface="Calibri" panose="020F0502020204030204" pitchFamily="34" charset="0"/>
-                        <a:cs typeface="Times New Roman" panose="02020603050405020304" pitchFamily="18" charset="0"/>
-                      </a:endParaRPr>
-                    </a:p>
-                  </a:txBody>
-                  <a:tcPr marL="68580" marR="68580" marT="0" marB="0" anchor="ctr"/>
-                </a:tc>
-                <a:tc>
-                  <a:txBody>
-                    <a:bodyPr/>
-                    <a:lstStyle/>
-                    <a:p>
-                      <a:pPr algn="ctr">
-                        <a:lnSpc>
-                          <a:spcPct val="107000"/>
-                        </a:lnSpc>
-                        <a:spcBef>
-                          <a:spcPts val="200"/>
-                        </a:spcBef>
-                        <a:spcAft>
-                          <a:spcPts val="200"/>
-                        </a:spcAft>
-                      </a:pPr>
-                      <a:r>
-                        <a:rPr lang="de-DE" sz="1400" dirty="0">
-                          <a:effectLst/>
-                          <a:latin typeface="Arial" panose="020B0604020202020204" pitchFamily="34" charset="0"/>
-                          <a:ea typeface="Calibri" panose="020F0502020204030204" pitchFamily="34" charset="0"/>
-                          <a:cs typeface="Times New Roman" panose="02020603050405020304" pitchFamily="18" charset="0"/>
-                        </a:rPr>
-                        <a:t>Präsenz</a:t>
-                      </a:r>
-                      <a:endParaRPr lang="de-DE" sz="1800" dirty="0">
-                        <a:effectLst/>
-                        <a:latin typeface="Calibri" panose="020F0502020204030204" pitchFamily="34" charset="0"/>
-                        <a:ea typeface="Calibri" panose="020F0502020204030204" pitchFamily="34" charset="0"/>
-                        <a:cs typeface="Times New Roman" panose="02020603050405020304" pitchFamily="18" charset="0"/>
-                      </a:endParaRPr>
-                    </a:p>
-                  </a:txBody>
-                  <a:tcPr marL="68580" marR="68580" marT="0" marB="0" anchor="ctr"/>
-                </a:tc>
-                <a:tc>
-                  <a:txBody>
-                    <a:bodyPr/>
-                    <a:lstStyle/>
-                    <a:p>
-                      <a:pPr algn="l">
-                        <a:spcBef>
-                          <a:spcPts val="200"/>
-                        </a:spcBef>
-                        <a:spcAft>
-                          <a:spcPts val="200"/>
-                        </a:spcAft>
-                      </a:pPr>
-                      <a:r>
-                        <a:rPr lang="de-DE" sz="1400" kern="1200" dirty="0">
-                          <a:solidFill>
-                            <a:srgbClr val="000000"/>
-                          </a:solidFill>
-                          <a:effectLst/>
-                          <a:latin typeface="Arial" panose="020B0604020202020204" pitchFamily="34" charset="0"/>
-                          <a:ea typeface="Times New Roman" panose="02020603050405020304" pitchFamily="18" charset="0"/>
-                          <a:cs typeface="Times New Roman" panose="02020603050405020304" pitchFamily="18" charset="0"/>
-                        </a:rPr>
-                        <a:t>Grundlagen der Hermeneutik</a:t>
-                      </a:r>
-                      <a:r>
-                        <a:rPr lang="de-DE" sz="1400" b="1" kern="1200" dirty="0">
-                          <a:solidFill>
-                            <a:srgbClr val="FFFFFF"/>
-                          </a:solidFill>
-                          <a:effectLst/>
-                          <a:latin typeface="Arial" panose="020B0604020202020204" pitchFamily="34" charset="0"/>
-                          <a:ea typeface="Times New Roman" panose="02020603050405020304" pitchFamily="18" charset="0"/>
-                          <a:cs typeface="Times New Roman" panose="02020603050405020304" pitchFamily="18" charset="0"/>
-                        </a:rPr>
-                        <a:t> 1</a:t>
-                      </a:r>
-                      <a:endParaRPr lang="de-DE" sz="1800" dirty="0">
-                        <a:effectLst/>
-                        <a:latin typeface="Calibri" panose="020F0502020204030204" pitchFamily="34" charset="0"/>
-                        <a:ea typeface="Times New Roman" panose="02020603050405020304" pitchFamily="18" charset="0"/>
-                        <a:cs typeface="Times New Roman" panose="02020603050405020304" pitchFamily="18" charset="0"/>
-                      </a:endParaRPr>
-                    </a:p>
-                  </a:txBody>
-                  <a:tcPr marL="68580" marR="68580" marT="0" marB="0" anchor="ctr"/>
-                </a:tc>
-                <a:extLst>
-                  <a:ext uri="{0D108BD9-81ED-4DB2-BD59-A6C34878D82A}">
-                    <a16:rowId xmlns:a16="http://schemas.microsoft.com/office/drawing/2014/main" val="1363168384"/>
-                  </a:ext>
-                </a:extLst>
-              </a:tr>
-              <a:tr h="306000">
-                <a:tc>
-                  <a:txBody>
-                    <a:bodyPr/>
-                    <a:lstStyle/>
-                    <a:p>
-                      <a:pPr algn="ctr">
-                        <a:lnSpc>
-                          <a:spcPct val="107000"/>
-                        </a:lnSpc>
-                        <a:spcBef>
-                          <a:spcPts val="200"/>
-                        </a:spcBef>
-                        <a:spcAft>
-                          <a:spcPts val="200"/>
-                        </a:spcAft>
-                      </a:pPr>
-                      <a:r>
-                        <a:rPr lang="de-DE" sz="1400">
-                          <a:effectLst/>
-                          <a:latin typeface="Arial" panose="020B0604020202020204" pitchFamily="34" charset="0"/>
-                          <a:ea typeface="Calibri" panose="020F0502020204030204" pitchFamily="34" charset="0"/>
-                          <a:cs typeface="Times New Roman" panose="02020603050405020304" pitchFamily="18" charset="0"/>
-                        </a:rPr>
-                        <a:t>17.05.22</a:t>
-                      </a:r>
-                      <a:endParaRPr lang="de-DE" sz="1800">
-                        <a:effectLst/>
-                        <a:latin typeface="Calibri" panose="020F0502020204030204" pitchFamily="34" charset="0"/>
-                        <a:ea typeface="Calibri" panose="020F0502020204030204" pitchFamily="34" charset="0"/>
-                        <a:cs typeface="Times New Roman" panose="02020603050405020304" pitchFamily="18" charset="0"/>
-                      </a:endParaRPr>
-                    </a:p>
-                  </a:txBody>
-                  <a:tcPr marL="68580" marR="68580" marT="0" marB="0" anchor="ctr"/>
-                </a:tc>
-                <a:tc>
-                  <a:txBody>
-                    <a:bodyPr/>
-                    <a:lstStyle/>
-                    <a:p>
-                      <a:pPr algn="ctr">
-                        <a:lnSpc>
-                          <a:spcPct val="107000"/>
-                        </a:lnSpc>
-                        <a:spcBef>
-                          <a:spcPts val="200"/>
-                        </a:spcBef>
-                        <a:spcAft>
-                          <a:spcPts val="200"/>
-                        </a:spcAft>
-                      </a:pPr>
-                      <a:r>
-                        <a:rPr lang="de-DE" sz="1400" dirty="0">
-                          <a:effectLst/>
-                          <a:latin typeface="Arial" panose="020B0604020202020204" pitchFamily="34" charset="0"/>
-                          <a:ea typeface="Calibri" panose="020F0502020204030204" pitchFamily="34" charset="0"/>
-                          <a:cs typeface="Times New Roman" panose="02020603050405020304" pitchFamily="18" charset="0"/>
-                        </a:rPr>
-                        <a:t>Präsenz</a:t>
-                      </a:r>
-                      <a:endParaRPr lang="de-DE" sz="1800" dirty="0">
-                        <a:effectLst/>
-                        <a:latin typeface="Calibri" panose="020F0502020204030204" pitchFamily="34" charset="0"/>
-                        <a:ea typeface="Calibri" panose="020F0502020204030204" pitchFamily="34" charset="0"/>
-                        <a:cs typeface="Times New Roman" panose="02020603050405020304" pitchFamily="18" charset="0"/>
-                      </a:endParaRPr>
-                    </a:p>
-                  </a:txBody>
-                  <a:tcPr marL="68580" marR="68580" marT="0" marB="0" anchor="ctr"/>
-                </a:tc>
-                <a:tc>
-                  <a:txBody>
-                    <a:bodyPr/>
-                    <a:lstStyle/>
-                    <a:p>
-                      <a:pPr algn="l">
-                        <a:spcBef>
-                          <a:spcPts val="200"/>
-                        </a:spcBef>
-                        <a:spcAft>
-                          <a:spcPts val="200"/>
-                        </a:spcAft>
-                      </a:pPr>
-                      <a:r>
-                        <a:rPr lang="de-DE" sz="1400" kern="1200" dirty="0">
-                          <a:solidFill>
-                            <a:srgbClr val="000000"/>
-                          </a:solidFill>
-                          <a:effectLst/>
-                          <a:latin typeface="Arial" panose="020B0604020202020204" pitchFamily="34" charset="0"/>
-                          <a:ea typeface="Times New Roman" panose="02020603050405020304" pitchFamily="18" charset="0"/>
-                          <a:cs typeface="Times New Roman" panose="02020603050405020304" pitchFamily="18" charset="0"/>
-                        </a:rPr>
-                        <a:t>Textanalyse Text 1: Einführung</a:t>
-                      </a:r>
-                      <a:endParaRPr lang="de-DE" sz="1800" dirty="0">
-                        <a:effectLst/>
-                        <a:latin typeface="Calibri" panose="020F0502020204030204" pitchFamily="34" charset="0"/>
-                        <a:ea typeface="Times New Roman" panose="02020603050405020304" pitchFamily="18" charset="0"/>
-                        <a:cs typeface="Times New Roman" panose="02020603050405020304" pitchFamily="18" charset="0"/>
-                      </a:endParaRPr>
-                    </a:p>
-                  </a:txBody>
-                  <a:tcPr marL="68580" marR="68580" marT="0" marB="0" anchor="ctr"/>
-                </a:tc>
-                <a:extLst>
-                  <a:ext uri="{0D108BD9-81ED-4DB2-BD59-A6C34878D82A}">
-                    <a16:rowId xmlns:a16="http://schemas.microsoft.com/office/drawing/2014/main" val="1376194946"/>
-                  </a:ext>
-                </a:extLst>
-              </a:tr>
-              <a:tr h="306000">
-                <a:tc>
-                  <a:txBody>
-                    <a:bodyPr/>
-                    <a:lstStyle/>
-                    <a:p>
-                      <a:pPr algn="ctr">
-                        <a:lnSpc>
-                          <a:spcPct val="107000"/>
-                        </a:lnSpc>
-                        <a:spcBef>
-                          <a:spcPts val="200"/>
-                        </a:spcBef>
-                        <a:spcAft>
-                          <a:spcPts val="200"/>
-                        </a:spcAft>
-                      </a:pPr>
-                      <a:r>
-                        <a:rPr lang="de-DE" sz="1400" i="1">
-                          <a:effectLst/>
-                          <a:latin typeface="Arial" panose="020B0604020202020204" pitchFamily="34" charset="0"/>
-                          <a:ea typeface="Calibri" panose="020F0502020204030204" pitchFamily="34" charset="0"/>
-                          <a:cs typeface="Times New Roman" panose="02020603050405020304" pitchFamily="18" charset="0"/>
-                        </a:rPr>
-                        <a:t>24.05.22</a:t>
-                      </a:r>
-                      <a:endParaRPr lang="de-DE" sz="1800" i="1">
-                        <a:effectLst/>
-                        <a:latin typeface="Calibri" panose="020F0502020204030204" pitchFamily="34" charset="0"/>
-                        <a:ea typeface="Calibri" panose="020F0502020204030204" pitchFamily="34" charset="0"/>
-                        <a:cs typeface="Times New Roman" panose="02020603050405020304" pitchFamily="18" charset="0"/>
-                      </a:endParaRPr>
-                    </a:p>
-                  </a:txBody>
-                  <a:tcPr marL="68580" marR="68580" marT="0" marB="0" anchor="ctr"/>
-                </a:tc>
-                <a:tc>
-                  <a:txBody>
-                    <a:bodyPr/>
-                    <a:lstStyle/>
-                    <a:p>
-                      <a:pPr algn="ctr">
-                        <a:lnSpc>
-                          <a:spcPct val="107000"/>
-                        </a:lnSpc>
-                        <a:spcBef>
-                          <a:spcPts val="200"/>
-                        </a:spcBef>
-                        <a:spcAft>
-                          <a:spcPts val="200"/>
-                        </a:spcAft>
-                      </a:pPr>
-                      <a:r>
-                        <a:rPr lang="de-DE" sz="1400" i="1" dirty="0">
-                          <a:effectLst/>
-                          <a:latin typeface="Arial" panose="020B0604020202020204" pitchFamily="34" charset="0"/>
-                          <a:ea typeface="Calibri" panose="020F0502020204030204" pitchFamily="34" charset="0"/>
-                          <a:cs typeface="Times New Roman" panose="02020603050405020304" pitchFamily="18" charset="0"/>
-                        </a:rPr>
-                        <a:t>Asynchron</a:t>
-                      </a:r>
-                      <a:endParaRPr lang="de-DE" sz="1800" i="1" dirty="0">
-                        <a:effectLst/>
-                        <a:latin typeface="Calibri" panose="020F0502020204030204" pitchFamily="34" charset="0"/>
-                        <a:ea typeface="Calibri" panose="020F0502020204030204" pitchFamily="34" charset="0"/>
-                        <a:cs typeface="Times New Roman" panose="02020603050405020304" pitchFamily="18" charset="0"/>
-                      </a:endParaRPr>
-                    </a:p>
-                  </a:txBody>
-                  <a:tcPr marL="68580" marR="68580" marT="0" marB="0" anchor="ctr"/>
-                </a:tc>
-                <a:tc>
-                  <a:txBody>
-                    <a:bodyPr/>
-                    <a:lstStyle/>
-                    <a:p>
-                      <a:pPr algn="l">
-                        <a:spcBef>
-                          <a:spcPts val="200"/>
-                        </a:spcBef>
-                        <a:spcAft>
-                          <a:spcPts val="200"/>
-                        </a:spcAft>
-                      </a:pPr>
-                      <a:r>
-                        <a:rPr lang="de-DE" sz="1400" i="1" kern="1200" dirty="0">
-                          <a:solidFill>
-                            <a:srgbClr val="000000"/>
-                          </a:solidFill>
-                          <a:effectLst/>
-                          <a:latin typeface="Arial" panose="020B0604020202020204" pitchFamily="34" charset="0"/>
-                          <a:ea typeface="Times New Roman" panose="02020603050405020304" pitchFamily="18" charset="0"/>
-                          <a:cs typeface="Times New Roman" panose="02020603050405020304" pitchFamily="18" charset="0"/>
-                        </a:rPr>
-                        <a:t>Textanalyse Text 1: Analyseerstellung</a:t>
-                      </a:r>
-                      <a:endParaRPr lang="de-DE" sz="1800" i="1" dirty="0">
-                        <a:effectLst/>
-                        <a:latin typeface="Calibri" panose="020F0502020204030204" pitchFamily="34" charset="0"/>
-                        <a:ea typeface="Times New Roman" panose="02020603050405020304" pitchFamily="18" charset="0"/>
-                        <a:cs typeface="Times New Roman" panose="02020603050405020304" pitchFamily="18" charset="0"/>
-                      </a:endParaRPr>
-                    </a:p>
-                  </a:txBody>
-                  <a:tcPr marL="68580" marR="68580" marT="0" marB="0" anchor="ctr"/>
-                </a:tc>
-                <a:extLst>
-                  <a:ext uri="{0D108BD9-81ED-4DB2-BD59-A6C34878D82A}">
-                    <a16:rowId xmlns:a16="http://schemas.microsoft.com/office/drawing/2014/main" val="1789450073"/>
-                  </a:ext>
-                </a:extLst>
-              </a:tr>
-              <a:tr h="306000">
-                <a:tc>
-                  <a:txBody>
-                    <a:bodyPr/>
-                    <a:lstStyle/>
-                    <a:p>
-                      <a:pPr algn="ctr">
-                        <a:lnSpc>
-                          <a:spcPct val="107000"/>
-                        </a:lnSpc>
-                        <a:spcBef>
-                          <a:spcPts val="200"/>
-                        </a:spcBef>
-                        <a:spcAft>
-                          <a:spcPts val="200"/>
-                        </a:spcAft>
-                      </a:pPr>
-                      <a:r>
-                        <a:rPr lang="de-DE" sz="1400">
-                          <a:effectLst/>
-                          <a:latin typeface="Arial" panose="020B0604020202020204" pitchFamily="34" charset="0"/>
-                          <a:ea typeface="Calibri" panose="020F0502020204030204" pitchFamily="34" charset="0"/>
-                          <a:cs typeface="Times New Roman" panose="02020603050405020304" pitchFamily="18" charset="0"/>
-                        </a:rPr>
-                        <a:t>31.05.22</a:t>
-                      </a:r>
-                      <a:endParaRPr lang="de-DE" sz="1800">
-                        <a:effectLst/>
-                        <a:latin typeface="Calibri" panose="020F0502020204030204" pitchFamily="34" charset="0"/>
-                        <a:ea typeface="Calibri" panose="020F0502020204030204" pitchFamily="34" charset="0"/>
-                        <a:cs typeface="Times New Roman" panose="02020603050405020304" pitchFamily="18" charset="0"/>
-                      </a:endParaRPr>
-                    </a:p>
-                  </a:txBody>
-                  <a:tcPr marL="68580" marR="68580" marT="0" marB="0" anchor="ctr"/>
-                </a:tc>
-                <a:tc>
-                  <a:txBody>
-                    <a:bodyPr/>
-                    <a:lstStyle/>
-                    <a:p>
-                      <a:pPr algn="ctr">
-                        <a:lnSpc>
-                          <a:spcPct val="107000"/>
-                        </a:lnSpc>
-                        <a:spcBef>
-                          <a:spcPts val="200"/>
-                        </a:spcBef>
-                        <a:spcAft>
-                          <a:spcPts val="200"/>
-                        </a:spcAft>
-                      </a:pPr>
-                      <a:r>
-                        <a:rPr lang="de-DE" sz="1400" dirty="0">
-                          <a:effectLst/>
-                          <a:latin typeface="Arial" panose="020B0604020202020204" pitchFamily="34" charset="0"/>
-                          <a:ea typeface="Calibri" panose="020F0502020204030204" pitchFamily="34" charset="0"/>
-                          <a:cs typeface="Times New Roman" panose="02020603050405020304" pitchFamily="18" charset="0"/>
-                        </a:rPr>
-                        <a:t>Präsenz</a:t>
-                      </a:r>
-                      <a:endParaRPr lang="de-DE" sz="1800" dirty="0">
-                        <a:effectLst/>
-                        <a:latin typeface="Calibri" panose="020F0502020204030204" pitchFamily="34" charset="0"/>
-                        <a:ea typeface="Calibri" panose="020F0502020204030204" pitchFamily="34" charset="0"/>
-                        <a:cs typeface="Times New Roman" panose="02020603050405020304" pitchFamily="18" charset="0"/>
-                      </a:endParaRPr>
-                    </a:p>
-                  </a:txBody>
-                  <a:tcPr marL="68580" marR="68580" marT="0" marB="0" anchor="ctr"/>
-                </a:tc>
-                <a:tc>
-                  <a:txBody>
-                    <a:bodyPr/>
-                    <a:lstStyle/>
-                    <a:p>
-                      <a:pPr algn="l">
-                        <a:spcBef>
-                          <a:spcPts val="200"/>
-                        </a:spcBef>
-                        <a:spcAft>
-                          <a:spcPts val="200"/>
-                        </a:spcAft>
-                      </a:pPr>
-                      <a:r>
-                        <a:rPr lang="de-DE" sz="1400" kern="1200" dirty="0">
-                          <a:solidFill>
-                            <a:srgbClr val="000000"/>
-                          </a:solidFill>
-                          <a:effectLst/>
-                          <a:latin typeface="Arial" panose="020B0604020202020204" pitchFamily="34" charset="0"/>
-                          <a:ea typeface="Times New Roman" panose="02020603050405020304" pitchFamily="18" charset="0"/>
-                          <a:cs typeface="Times New Roman" panose="02020603050405020304" pitchFamily="18" charset="0"/>
-                        </a:rPr>
-                        <a:t>Textanalyse Text 1: Besprechung &amp; Überarbeitung</a:t>
-                      </a:r>
-                      <a:endParaRPr lang="de-DE" sz="1800" dirty="0">
-                        <a:effectLst/>
-                        <a:latin typeface="Calibri" panose="020F0502020204030204" pitchFamily="34" charset="0"/>
-                        <a:ea typeface="Times New Roman" panose="02020603050405020304" pitchFamily="18" charset="0"/>
-                        <a:cs typeface="Times New Roman" panose="02020603050405020304" pitchFamily="18" charset="0"/>
-                      </a:endParaRPr>
-                    </a:p>
-                  </a:txBody>
-                  <a:tcPr marL="68580" marR="68580" marT="0" marB="0" anchor="ctr"/>
-                </a:tc>
-                <a:extLst>
-                  <a:ext uri="{0D108BD9-81ED-4DB2-BD59-A6C34878D82A}">
-                    <a16:rowId xmlns:a16="http://schemas.microsoft.com/office/drawing/2014/main" val="1308956791"/>
-                  </a:ext>
-                </a:extLst>
-              </a:tr>
-              <a:tr h="306000">
-                <a:tc>
-                  <a:txBody>
-                    <a:bodyPr/>
-                    <a:lstStyle/>
-                    <a:p>
-                      <a:pPr algn="ctr">
-                        <a:lnSpc>
-                          <a:spcPct val="107000"/>
-                        </a:lnSpc>
-                        <a:spcBef>
-                          <a:spcPts val="200"/>
-                        </a:spcBef>
-                        <a:spcAft>
-                          <a:spcPts val="200"/>
-                        </a:spcAft>
-                      </a:pPr>
-                      <a:r>
-                        <a:rPr lang="de-DE" sz="1400" i="1">
-                          <a:effectLst/>
-                          <a:latin typeface="Arial" panose="020B0604020202020204" pitchFamily="34" charset="0"/>
-                          <a:ea typeface="Calibri" panose="020F0502020204030204" pitchFamily="34" charset="0"/>
-                          <a:cs typeface="Times New Roman" panose="02020603050405020304" pitchFamily="18" charset="0"/>
-                        </a:rPr>
-                        <a:t>07.06.22</a:t>
-                      </a:r>
-                      <a:endParaRPr lang="de-DE" sz="1800" i="1">
-                        <a:effectLst/>
-                        <a:latin typeface="Calibri" panose="020F0502020204030204" pitchFamily="34" charset="0"/>
-                        <a:ea typeface="Calibri" panose="020F0502020204030204" pitchFamily="34" charset="0"/>
-                        <a:cs typeface="Times New Roman" panose="02020603050405020304" pitchFamily="18" charset="0"/>
-                      </a:endParaRPr>
-                    </a:p>
-                  </a:txBody>
-                  <a:tcPr marL="68580" marR="68580" marT="0" marB="0" anchor="ctr"/>
-                </a:tc>
-                <a:tc>
-                  <a:txBody>
-                    <a:bodyPr/>
-                    <a:lstStyle/>
-                    <a:p>
-                      <a:pPr algn="ctr">
-                        <a:lnSpc>
-                          <a:spcPct val="107000"/>
-                        </a:lnSpc>
-                        <a:spcBef>
-                          <a:spcPts val="200"/>
-                        </a:spcBef>
-                        <a:spcAft>
-                          <a:spcPts val="200"/>
-                        </a:spcAft>
-                      </a:pPr>
-                      <a:r>
-                        <a:rPr lang="de-DE" sz="1400" i="1" dirty="0">
-                          <a:effectLst/>
-                          <a:latin typeface="Arial" panose="020B0604020202020204" pitchFamily="34" charset="0"/>
-                          <a:ea typeface="Calibri" panose="020F0502020204030204" pitchFamily="34" charset="0"/>
-                          <a:cs typeface="Times New Roman" panose="02020603050405020304" pitchFamily="18" charset="0"/>
-                        </a:rPr>
-                        <a:t>-</a:t>
-                      </a:r>
-                      <a:endParaRPr lang="de-DE" sz="1800" i="1" dirty="0">
-                        <a:effectLst/>
-                        <a:latin typeface="Calibri" panose="020F0502020204030204" pitchFamily="34" charset="0"/>
-                        <a:ea typeface="Calibri" panose="020F0502020204030204" pitchFamily="34" charset="0"/>
-                        <a:cs typeface="Times New Roman" panose="02020603050405020304" pitchFamily="18" charset="0"/>
-                      </a:endParaRPr>
-                    </a:p>
-                  </a:txBody>
-                  <a:tcPr marL="68580" marR="68580" marT="0" marB="0" anchor="ctr"/>
-                </a:tc>
-                <a:tc>
-                  <a:txBody>
-                    <a:bodyPr/>
-                    <a:lstStyle/>
-                    <a:p>
-                      <a:pPr algn="l">
-                        <a:spcBef>
-                          <a:spcPts val="200"/>
-                        </a:spcBef>
-                        <a:spcAft>
-                          <a:spcPts val="200"/>
-                        </a:spcAft>
-                      </a:pPr>
-                      <a:r>
-                        <a:rPr lang="de-DE" sz="1400" i="1" dirty="0">
-                          <a:effectLst/>
-                          <a:latin typeface="Arial" panose="020B0604020202020204" pitchFamily="34" charset="0"/>
-                          <a:ea typeface="Times New Roman" panose="02020603050405020304" pitchFamily="18" charset="0"/>
-                          <a:cs typeface="Times New Roman" panose="02020603050405020304" pitchFamily="18" charset="0"/>
-                        </a:rPr>
-                        <a:t>Keine Sitzung (Blockseminarwoche)</a:t>
-                      </a:r>
-                      <a:endParaRPr lang="de-DE" sz="1800" i="1" dirty="0">
-                        <a:effectLst/>
-                        <a:latin typeface="Calibri" panose="020F0502020204030204" pitchFamily="34" charset="0"/>
-                        <a:ea typeface="Times New Roman" panose="02020603050405020304" pitchFamily="18" charset="0"/>
-                        <a:cs typeface="Times New Roman" panose="02020603050405020304" pitchFamily="18" charset="0"/>
-                      </a:endParaRPr>
-                    </a:p>
-                  </a:txBody>
-                  <a:tcPr marL="68580" marR="68580" marT="0" marB="0" anchor="ctr"/>
-                </a:tc>
-                <a:extLst>
-                  <a:ext uri="{0D108BD9-81ED-4DB2-BD59-A6C34878D82A}">
-                    <a16:rowId xmlns:a16="http://schemas.microsoft.com/office/drawing/2014/main" val="4082437793"/>
-                  </a:ext>
-                </a:extLst>
-              </a:tr>
-              <a:tr h="306000">
-                <a:tc>
-                  <a:txBody>
-                    <a:bodyPr/>
-                    <a:lstStyle/>
-                    <a:p>
-                      <a:pPr algn="ctr">
-                        <a:lnSpc>
-                          <a:spcPct val="107000"/>
-                        </a:lnSpc>
-                        <a:spcBef>
-                          <a:spcPts val="200"/>
-                        </a:spcBef>
-                        <a:spcAft>
-                          <a:spcPts val="200"/>
-                        </a:spcAft>
-                      </a:pPr>
-                      <a:r>
-                        <a:rPr lang="de-DE" sz="1400">
-                          <a:effectLst/>
-                          <a:latin typeface="Arial" panose="020B0604020202020204" pitchFamily="34" charset="0"/>
-                          <a:ea typeface="Calibri" panose="020F0502020204030204" pitchFamily="34" charset="0"/>
-                          <a:cs typeface="Times New Roman" panose="02020603050405020304" pitchFamily="18" charset="0"/>
-                        </a:rPr>
-                        <a:t>14.06.22</a:t>
-                      </a:r>
-                      <a:endParaRPr lang="de-DE" sz="1800">
-                        <a:effectLst/>
-                        <a:latin typeface="Calibri" panose="020F0502020204030204" pitchFamily="34" charset="0"/>
-                        <a:ea typeface="Calibri" panose="020F0502020204030204" pitchFamily="34" charset="0"/>
-                        <a:cs typeface="Times New Roman" panose="02020603050405020304" pitchFamily="18" charset="0"/>
-                      </a:endParaRPr>
-                    </a:p>
-                  </a:txBody>
-                  <a:tcPr marL="68580" marR="68580" marT="0" marB="0" anchor="ctr"/>
-                </a:tc>
-                <a:tc>
-                  <a:txBody>
-                    <a:bodyPr/>
-                    <a:lstStyle/>
-                    <a:p>
-                      <a:pPr algn="ctr">
-                        <a:lnSpc>
-                          <a:spcPct val="107000"/>
-                        </a:lnSpc>
-                        <a:spcBef>
-                          <a:spcPts val="200"/>
-                        </a:spcBef>
-                        <a:spcAft>
-                          <a:spcPts val="200"/>
-                        </a:spcAft>
-                      </a:pPr>
-                      <a:r>
-                        <a:rPr lang="de-DE" sz="1400" dirty="0">
-                          <a:effectLst/>
-                          <a:latin typeface="Arial" panose="020B0604020202020204" pitchFamily="34" charset="0"/>
-                          <a:ea typeface="Calibri" panose="020F0502020204030204" pitchFamily="34" charset="0"/>
-                          <a:cs typeface="Times New Roman" panose="02020603050405020304" pitchFamily="18" charset="0"/>
-                        </a:rPr>
-                        <a:t>Präsenz</a:t>
-                      </a:r>
-                      <a:endParaRPr lang="de-DE" sz="1800" dirty="0">
-                        <a:effectLst/>
-                        <a:latin typeface="Calibri" panose="020F0502020204030204" pitchFamily="34" charset="0"/>
-                        <a:ea typeface="Calibri" panose="020F0502020204030204" pitchFamily="34" charset="0"/>
-                        <a:cs typeface="Times New Roman" panose="02020603050405020304" pitchFamily="18" charset="0"/>
-                      </a:endParaRPr>
-                    </a:p>
-                  </a:txBody>
-                  <a:tcPr marL="68580" marR="68580" marT="0" marB="0" anchor="ctr"/>
-                </a:tc>
-                <a:tc>
-                  <a:txBody>
-                    <a:bodyPr/>
-                    <a:lstStyle/>
-                    <a:p>
-                      <a:pPr algn="l">
-                        <a:spcBef>
-                          <a:spcPts val="200"/>
-                        </a:spcBef>
-                        <a:spcAft>
-                          <a:spcPts val="200"/>
-                        </a:spcAft>
-                      </a:pPr>
-                      <a:r>
-                        <a:rPr lang="de-DE" sz="1400" dirty="0">
-                          <a:effectLst/>
-                          <a:latin typeface="Arial" panose="020B0604020202020204" pitchFamily="34" charset="0"/>
-                          <a:ea typeface="Times New Roman" panose="02020603050405020304" pitchFamily="18" charset="0"/>
-                          <a:cs typeface="Times New Roman" panose="02020603050405020304" pitchFamily="18" charset="0"/>
-                        </a:rPr>
-                        <a:t>Empirische Texte: Grundlagen</a:t>
-                      </a:r>
-                      <a:endParaRPr lang="de-DE" sz="1800" dirty="0">
-                        <a:effectLst/>
-                        <a:latin typeface="Calibri" panose="020F0502020204030204" pitchFamily="34" charset="0"/>
-                        <a:ea typeface="Times New Roman" panose="02020603050405020304" pitchFamily="18" charset="0"/>
-                        <a:cs typeface="Times New Roman" panose="02020603050405020304" pitchFamily="18" charset="0"/>
-                      </a:endParaRPr>
-                    </a:p>
-                  </a:txBody>
-                  <a:tcPr marL="68580" marR="68580" marT="0" marB="0" anchor="ctr"/>
-                </a:tc>
-                <a:extLst>
-                  <a:ext uri="{0D108BD9-81ED-4DB2-BD59-A6C34878D82A}">
-                    <a16:rowId xmlns:a16="http://schemas.microsoft.com/office/drawing/2014/main" val="265795156"/>
-                  </a:ext>
-                </a:extLst>
-              </a:tr>
-              <a:tr h="306000">
-                <a:tc>
-                  <a:txBody>
-                    <a:bodyPr/>
-                    <a:lstStyle/>
-                    <a:p>
-                      <a:pPr algn="ctr">
-                        <a:lnSpc>
-                          <a:spcPct val="107000"/>
-                        </a:lnSpc>
-                        <a:spcBef>
-                          <a:spcPts val="200"/>
-                        </a:spcBef>
-                        <a:spcAft>
-                          <a:spcPts val="200"/>
-                        </a:spcAft>
-                      </a:pPr>
-                      <a:r>
-                        <a:rPr lang="de-DE" sz="1400">
-                          <a:effectLst/>
-                          <a:latin typeface="Arial" panose="020B0604020202020204" pitchFamily="34" charset="0"/>
-                          <a:ea typeface="Calibri" panose="020F0502020204030204" pitchFamily="34" charset="0"/>
-                          <a:cs typeface="Times New Roman" panose="02020603050405020304" pitchFamily="18" charset="0"/>
-                        </a:rPr>
-                        <a:t>21.06.22</a:t>
-                      </a:r>
-                      <a:endParaRPr lang="de-DE" sz="1800">
-                        <a:effectLst/>
-                        <a:latin typeface="Calibri" panose="020F0502020204030204" pitchFamily="34" charset="0"/>
-                        <a:ea typeface="Calibri" panose="020F0502020204030204" pitchFamily="34" charset="0"/>
-                        <a:cs typeface="Times New Roman" panose="02020603050405020304" pitchFamily="18" charset="0"/>
-                      </a:endParaRPr>
-                    </a:p>
-                  </a:txBody>
-                  <a:tcPr marL="68580" marR="68580" marT="0" marB="0" anchor="ctr"/>
-                </a:tc>
-                <a:tc>
-                  <a:txBody>
-                    <a:bodyPr/>
-                    <a:lstStyle/>
-                    <a:p>
-                      <a:pPr algn="ctr">
-                        <a:lnSpc>
-                          <a:spcPct val="107000"/>
-                        </a:lnSpc>
-                        <a:spcBef>
-                          <a:spcPts val="200"/>
-                        </a:spcBef>
-                        <a:spcAft>
-                          <a:spcPts val="200"/>
-                        </a:spcAft>
-                      </a:pPr>
-                      <a:r>
-                        <a:rPr lang="de-DE" sz="1400" dirty="0">
-                          <a:effectLst/>
-                          <a:latin typeface="Arial" panose="020B0604020202020204" pitchFamily="34" charset="0"/>
-                          <a:ea typeface="Calibri" panose="020F0502020204030204" pitchFamily="34" charset="0"/>
-                          <a:cs typeface="Times New Roman" panose="02020603050405020304" pitchFamily="18" charset="0"/>
-                        </a:rPr>
-                        <a:t>Präsenz</a:t>
-                      </a:r>
-                      <a:endParaRPr lang="de-DE" sz="1800" dirty="0">
-                        <a:effectLst/>
-                        <a:latin typeface="Calibri" panose="020F0502020204030204" pitchFamily="34" charset="0"/>
-                        <a:ea typeface="Calibri" panose="020F0502020204030204" pitchFamily="34" charset="0"/>
-                        <a:cs typeface="Times New Roman" panose="02020603050405020304" pitchFamily="18" charset="0"/>
-                      </a:endParaRPr>
-                    </a:p>
-                  </a:txBody>
-                  <a:tcPr marL="68580" marR="68580" marT="0" marB="0" anchor="ctr"/>
-                </a:tc>
-                <a:tc>
-                  <a:txBody>
-                    <a:bodyPr/>
-                    <a:lstStyle/>
-                    <a:p>
-                      <a:pPr algn="l">
-                        <a:spcBef>
-                          <a:spcPts val="200"/>
-                        </a:spcBef>
-                        <a:spcAft>
-                          <a:spcPts val="200"/>
-                        </a:spcAft>
-                      </a:pPr>
-                      <a:r>
-                        <a:rPr lang="de-DE" sz="1400" kern="1200" dirty="0">
-                          <a:solidFill>
-                            <a:srgbClr val="000000"/>
-                          </a:solidFill>
-                          <a:effectLst/>
-                          <a:latin typeface="Arial" panose="020B0604020202020204" pitchFamily="34" charset="0"/>
-                          <a:ea typeface="Times New Roman" panose="02020603050405020304" pitchFamily="18" charset="0"/>
-                          <a:cs typeface="Times New Roman" panose="02020603050405020304" pitchFamily="18" charset="0"/>
-                        </a:rPr>
-                        <a:t>Textanalyse Text 2: Einführung</a:t>
-                      </a:r>
-                      <a:endParaRPr lang="de-DE" sz="1800" dirty="0">
-                        <a:effectLst/>
-                        <a:latin typeface="Calibri" panose="020F0502020204030204" pitchFamily="34" charset="0"/>
-                        <a:ea typeface="Times New Roman" panose="02020603050405020304" pitchFamily="18" charset="0"/>
-                        <a:cs typeface="Times New Roman" panose="02020603050405020304" pitchFamily="18" charset="0"/>
-                      </a:endParaRPr>
-                    </a:p>
-                  </a:txBody>
-                  <a:tcPr marL="68580" marR="68580" marT="0" marB="0" anchor="ctr"/>
-                </a:tc>
-                <a:extLst>
-                  <a:ext uri="{0D108BD9-81ED-4DB2-BD59-A6C34878D82A}">
-                    <a16:rowId xmlns:a16="http://schemas.microsoft.com/office/drawing/2014/main" val="3493400335"/>
-                  </a:ext>
-                </a:extLst>
-              </a:tr>
-              <a:tr h="306000">
-                <a:tc>
-                  <a:txBody>
-                    <a:bodyPr/>
-                    <a:lstStyle/>
-                    <a:p>
-                      <a:pPr algn="ctr">
-                        <a:lnSpc>
-                          <a:spcPct val="107000"/>
-                        </a:lnSpc>
-                        <a:spcBef>
-                          <a:spcPts val="200"/>
-                        </a:spcBef>
-                        <a:spcAft>
-                          <a:spcPts val="200"/>
-                        </a:spcAft>
-                      </a:pPr>
-                      <a:r>
-                        <a:rPr lang="de-DE" sz="1400" i="1">
-                          <a:effectLst/>
-                          <a:latin typeface="Arial" panose="020B0604020202020204" pitchFamily="34" charset="0"/>
-                          <a:ea typeface="Calibri" panose="020F0502020204030204" pitchFamily="34" charset="0"/>
-                          <a:cs typeface="Times New Roman" panose="02020603050405020304" pitchFamily="18" charset="0"/>
-                        </a:rPr>
-                        <a:t>28.06.22</a:t>
-                      </a:r>
-                      <a:endParaRPr lang="de-DE" sz="1800" i="1">
-                        <a:effectLst/>
-                        <a:latin typeface="Calibri" panose="020F0502020204030204" pitchFamily="34" charset="0"/>
-                        <a:ea typeface="Calibri" panose="020F0502020204030204" pitchFamily="34" charset="0"/>
-                        <a:cs typeface="Times New Roman" panose="02020603050405020304" pitchFamily="18" charset="0"/>
-                      </a:endParaRPr>
-                    </a:p>
-                  </a:txBody>
-                  <a:tcPr marL="68580" marR="68580" marT="0" marB="0" anchor="ctr"/>
-                </a:tc>
-                <a:tc>
-                  <a:txBody>
-                    <a:bodyPr/>
-                    <a:lstStyle/>
-                    <a:p>
-                      <a:pPr algn="ctr">
-                        <a:lnSpc>
-                          <a:spcPct val="107000"/>
-                        </a:lnSpc>
-                        <a:spcBef>
-                          <a:spcPts val="200"/>
-                        </a:spcBef>
-                        <a:spcAft>
-                          <a:spcPts val="200"/>
-                        </a:spcAft>
-                      </a:pPr>
-                      <a:r>
-                        <a:rPr lang="de-DE" sz="1400" i="1" dirty="0">
-                          <a:effectLst/>
-                          <a:latin typeface="Arial" panose="020B0604020202020204" pitchFamily="34" charset="0"/>
-                          <a:ea typeface="Calibri" panose="020F0502020204030204" pitchFamily="34" charset="0"/>
-                          <a:cs typeface="Times New Roman" panose="02020603050405020304" pitchFamily="18" charset="0"/>
-                        </a:rPr>
-                        <a:t>Asynchron</a:t>
-                      </a:r>
-                      <a:endParaRPr lang="de-DE" sz="1800" i="1" dirty="0">
-                        <a:effectLst/>
-                        <a:latin typeface="Calibri" panose="020F0502020204030204" pitchFamily="34" charset="0"/>
-                        <a:ea typeface="Calibri" panose="020F0502020204030204" pitchFamily="34" charset="0"/>
-                        <a:cs typeface="Times New Roman" panose="02020603050405020304" pitchFamily="18" charset="0"/>
-                      </a:endParaRPr>
-                    </a:p>
-                  </a:txBody>
-                  <a:tcPr marL="68580" marR="68580" marT="0" marB="0" anchor="ctr"/>
-                </a:tc>
-                <a:tc>
-                  <a:txBody>
-                    <a:bodyPr/>
-                    <a:lstStyle/>
-                    <a:p>
-                      <a:pPr algn="l">
-                        <a:spcBef>
-                          <a:spcPts val="200"/>
-                        </a:spcBef>
-                        <a:spcAft>
-                          <a:spcPts val="200"/>
-                        </a:spcAft>
-                      </a:pPr>
-                      <a:r>
-                        <a:rPr lang="de-DE" sz="1400" i="1" kern="1200" dirty="0">
-                          <a:solidFill>
-                            <a:srgbClr val="000000"/>
-                          </a:solidFill>
-                          <a:effectLst/>
-                          <a:latin typeface="Arial" panose="020B0604020202020204" pitchFamily="34" charset="0"/>
-                          <a:ea typeface="Times New Roman" panose="02020603050405020304" pitchFamily="18" charset="0"/>
-                          <a:cs typeface="Times New Roman" panose="02020603050405020304" pitchFamily="18" charset="0"/>
-                        </a:rPr>
-                        <a:t>Textanalyse Text 2: Analyseerstellung</a:t>
-                      </a:r>
-                      <a:endParaRPr lang="de-DE" sz="1800" i="1" dirty="0">
-                        <a:effectLst/>
-                        <a:latin typeface="Calibri" panose="020F0502020204030204" pitchFamily="34" charset="0"/>
-                        <a:ea typeface="Times New Roman" panose="02020603050405020304" pitchFamily="18" charset="0"/>
-                        <a:cs typeface="Times New Roman" panose="02020603050405020304" pitchFamily="18" charset="0"/>
-                      </a:endParaRPr>
-                    </a:p>
-                  </a:txBody>
-                  <a:tcPr marL="68580" marR="68580" marT="0" marB="0" anchor="ctr"/>
-                </a:tc>
-                <a:extLst>
-                  <a:ext uri="{0D108BD9-81ED-4DB2-BD59-A6C34878D82A}">
-                    <a16:rowId xmlns:a16="http://schemas.microsoft.com/office/drawing/2014/main" val="3136741709"/>
-                  </a:ext>
-                </a:extLst>
-              </a:tr>
-              <a:tr h="306000">
-                <a:tc>
-                  <a:txBody>
-                    <a:bodyPr/>
-                    <a:lstStyle/>
-                    <a:p>
-                      <a:pPr algn="ctr">
-                        <a:lnSpc>
-                          <a:spcPct val="107000"/>
-                        </a:lnSpc>
-                        <a:spcBef>
-                          <a:spcPts val="200"/>
-                        </a:spcBef>
-                        <a:spcAft>
-                          <a:spcPts val="200"/>
-                        </a:spcAft>
-                      </a:pPr>
-                      <a:r>
-                        <a:rPr lang="de-DE" sz="1400">
-                          <a:effectLst/>
-                          <a:latin typeface="Arial" panose="020B0604020202020204" pitchFamily="34" charset="0"/>
-                          <a:ea typeface="Calibri" panose="020F0502020204030204" pitchFamily="34" charset="0"/>
-                          <a:cs typeface="Times New Roman" panose="02020603050405020304" pitchFamily="18" charset="0"/>
-                        </a:rPr>
-                        <a:t>05.07.22</a:t>
-                      </a:r>
-                      <a:endParaRPr lang="de-DE" sz="1800">
-                        <a:effectLst/>
-                        <a:latin typeface="Calibri" panose="020F0502020204030204" pitchFamily="34" charset="0"/>
-                        <a:ea typeface="Calibri" panose="020F0502020204030204" pitchFamily="34" charset="0"/>
-                        <a:cs typeface="Times New Roman" panose="02020603050405020304" pitchFamily="18" charset="0"/>
-                      </a:endParaRPr>
-                    </a:p>
-                  </a:txBody>
-                  <a:tcPr marL="68580" marR="68580" marT="0" marB="0" anchor="ctr"/>
-                </a:tc>
-                <a:tc>
-                  <a:txBody>
-                    <a:bodyPr/>
-                    <a:lstStyle/>
-                    <a:p>
-                      <a:pPr algn="ctr">
-                        <a:lnSpc>
-                          <a:spcPct val="107000"/>
-                        </a:lnSpc>
-                        <a:spcBef>
-                          <a:spcPts val="200"/>
-                        </a:spcBef>
-                        <a:spcAft>
-                          <a:spcPts val="200"/>
-                        </a:spcAft>
-                      </a:pPr>
-                      <a:r>
-                        <a:rPr lang="de-DE" sz="1400" dirty="0">
-                          <a:effectLst/>
-                          <a:latin typeface="Arial" panose="020B0604020202020204" pitchFamily="34" charset="0"/>
-                          <a:ea typeface="Calibri" panose="020F0502020204030204" pitchFamily="34" charset="0"/>
-                          <a:cs typeface="Times New Roman" panose="02020603050405020304" pitchFamily="18" charset="0"/>
-                        </a:rPr>
-                        <a:t>Präsenz</a:t>
-                      </a:r>
-                      <a:endParaRPr lang="de-DE" sz="1800" dirty="0">
-                        <a:effectLst/>
-                        <a:latin typeface="Calibri" panose="020F0502020204030204" pitchFamily="34" charset="0"/>
-                        <a:ea typeface="Calibri" panose="020F0502020204030204" pitchFamily="34" charset="0"/>
-                        <a:cs typeface="Times New Roman" panose="02020603050405020304" pitchFamily="18" charset="0"/>
-                      </a:endParaRPr>
-                    </a:p>
-                  </a:txBody>
-                  <a:tcPr marL="68580" marR="68580" marT="0" marB="0" anchor="ctr"/>
-                </a:tc>
-                <a:tc>
-                  <a:txBody>
-                    <a:bodyPr/>
-                    <a:lstStyle/>
-                    <a:p>
-                      <a:pPr algn="l">
-                        <a:spcBef>
-                          <a:spcPts val="200"/>
-                        </a:spcBef>
-                        <a:spcAft>
-                          <a:spcPts val="200"/>
-                        </a:spcAft>
-                      </a:pPr>
-                      <a:r>
-                        <a:rPr lang="de-DE" sz="1400" kern="1200" dirty="0">
-                          <a:solidFill>
-                            <a:srgbClr val="000000"/>
-                          </a:solidFill>
-                          <a:effectLst/>
-                          <a:latin typeface="Arial" panose="020B0604020202020204" pitchFamily="34" charset="0"/>
-                          <a:ea typeface="Times New Roman" panose="02020603050405020304" pitchFamily="18" charset="0"/>
-                          <a:cs typeface="Times New Roman" panose="02020603050405020304" pitchFamily="18" charset="0"/>
-                        </a:rPr>
-                        <a:t>Textanalyse Text 2: Besprechung &amp; Überarbeitung</a:t>
-                      </a:r>
-                      <a:endParaRPr lang="de-DE" sz="1800" dirty="0">
-                        <a:effectLst/>
-                        <a:latin typeface="Calibri" panose="020F0502020204030204" pitchFamily="34" charset="0"/>
-                        <a:ea typeface="Times New Roman" panose="02020603050405020304" pitchFamily="18" charset="0"/>
-                        <a:cs typeface="Times New Roman" panose="02020603050405020304" pitchFamily="18" charset="0"/>
-                      </a:endParaRPr>
-                    </a:p>
-                  </a:txBody>
-                  <a:tcPr marL="68580" marR="68580" marT="0" marB="0" anchor="ctr"/>
-                </a:tc>
-                <a:extLst>
-                  <a:ext uri="{0D108BD9-81ED-4DB2-BD59-A6C34878D82A}">
-                    <a16:rowId xmlns:a16="http://schemas.microsoft.com/office/drawing/2014/main" val="2442086417"/>
-                  </a:ext>
-                </a:extLst>
-              </a:tr>
-              <a:tr h="306000">
-                <a:tc>
-                  <a:txBody>
-                    <a:bodyPr/>
-                    <a:lstStyle/>
-                    <a:p>
-                      <a:pPr algn="ctr">
-                        <a:lnSpc>
-                          <a:spcPct val="107000"/>
-                        </a:lnSpc>
-                        <a:spcBef>
-                          <a:spcPts val="200"/>
-                        </a:spcBef>
-                        <a:spcAft>
-                          <a:spcPts val="200"/>
-                        </a:spcAft>
-                      </a:pPr>
-                      <a:r>
-                        <a:rPr lang="de-DE" sz="1400" dirty="0">
-                          <a:effectLst/>
-                          <a:latin typeface="Arial" panose="020B0604020202020204" pitchFamily="34" charset="0"/>
-                          <a:ea typeface="Calibri" panose="020F0502020204030204" pitchFamily="34" charset="0"/>
-                          <a:cs typeface="Times New Roman" panose="02020603050405020304" pitchFamily="18" charset="0"/>
-                        </a:rPr>
-                        <a:t>12.07.22</a:t>
-                      </a:r>
-                      <a:endParaRPr lang="de-DE" sz="1800" dirty="0">
-                        <a:effectLst/>
-                        <a:latin typeface="Calibri" panose="020F0502020204030204" pitchFamily="34" charset="0"/>
-                        <a:ea typeface="Calibri" panose="020F0502020204030204" pitchFamily="34" charset="0"/>
-                        <a:cs typeface="Times New Roman" panose="02020603050405020304" pitchFamily="18" charset="0"/>
-                      </a:endParaRPr>
-                    </a:p>
-                  </a:txBody>
-                  <a:tcPr marL="68580" marR="68580" marT="0" marB="0" anchor="ctr"/>
-                </a:tc>
-                <a:tc>
-                  <a:txBody>
-                    <a:bodyPr/>
-                    <a:lstStyle/>
-                    <a:p>
-                      <a:pPr algn="ctr">
-                        <a:lnSpc>
-                          <a:spcPct val="107000"/>
-                        </a:lnSpc>
-                        <a:spcBef>
-                          <a:spcPts val="200"/>
-                        </a:spcBef>
-                        <a:spcAft>
-                          <a:spcPts val="200"/>
-                        </a:spcAft>
-                      </a:pPr>
-                      <a:r>
-                        <a:rPr lang="de-DE" sz="1400" dirty="0">
-                          <a:effectLst/>
-                          <a:latin typeface="Arial" panose="020B0604020202020204" pitchFamily="34" charset="0"/>
-                          <a:ea typeface="Calibri" panose="020F0502020204030204" pitchFamily="34" charset="0"/>
-                          <a:cs typeface="Times New Roman" panose="02020603050405020304" pitchFamily="18" charset="0"/>
-                        </a:rPr>
-                        <a:t>Präsenz</a:t>
-                      </a:r>
-                      <a:endParaRPr lang="de-DE" sz="1800" dirty="0">
-                        <a:effectLst/>
-                        <a:latin typeface="Calibri" panose="020F0502020204030204" pitchFamily="34" charset="0"/>
-                        <a:ea typeface="Calibri" panose="020F0502020204030204" pitchFamily="34" charset="0"/>
-                        <a:cs typeface="Times New Roman" panose="02020603050405020304" pitchFamily="18" charset="0"/>
-                      </a:endParaRPr>
-                    </a:p>
-                  </a:txBody>
-                  <a:tcPr marL="68580" marR="68580" marT="0" marB="0" anchor="ctr"/>
-                </a:tc>
-                <a:tc>
-                  <a:txBody>
-                    <a:bodyPr/>
-                    <a:lstStyle/>
-                    <a:p>
-                      <a:pPr algn="l">
-                        <a:spcBef>
-                          <a:spcPts val="200"/>
-                        </a:spcBef>
-                        <a:spcAft>
-                          <a:spcPts val="200"/>
-                        </a:spcAft>
-                      </a:pPr>
-                      <a:r>
-                        <a:rPr lang="de-DE" sz="1400" dirty="0">
-                          <a:effectLst/>
-                          <a:latin typeface="Arial" panose="020B0604020202020204" pitchFamily="34" charset="0"/>
-                          <a:ea typeface="Times New Roman" panose="02020603050405020304" pitchFamily="18" charset="0"/>
-                          <a:cs typeface="Times New Roman" panose="02020603050405020304" pitchFamily="18" charset="0"/>
-                        </a:rPr>
-                        <a:t>Abschluss &amp; Vorbesprechung Hausarbeiten</a:t>
-                      </a:r>
-                      <a:endParaRPr lang="de-DE" sz="1800" dirty="0">
-                        <a:effectLst/>
-                        <a:latin typeface="Calibri" panose="020F0502020204030204" pitchFamily="34" charset="0"/>
-                        <a:ea typeface="Times New Roman" panose="02020603050405020304" pitchFamily="18" charset="0"/>
-                        <a:cs typeface="Times New Roman" panose="02020603050405020304" pitchFamily="18" charset="0"/>
-                      </a:endParaRPr>
-                    </a:p>
-                  </a:txBody>
-                  <a:tcPr marL="68580" marR="68580" marT="0" marB="0" anchor="ctr"/>
-                </a:tc>
-                <a:extLst>
-                  <a:ext uri="{0D108BD9-81ED-4DB2-BD59-A6C34878D82A}">
-                    <a16:rowId xmlns:a16="http://schemas.microsoft.com/office/drawing/2014/main" val="2935553277"/>
-                  </a:ext>
-                </a:extLst>
-              </a:tr>
-            </a:tbl>
-          </a:graphicData>
-        </a:graphic>
-      </p:graphicFrame>
-      <p:sp>
-        <p:nvSpPr>
-          <p:cNvPr id="5" name="Rechteck 4"/>
-          <p:cNvSpPr/>
-          <p:nvPr/>
-        </p:nvSpPr>
-        <p:spPr>
-          <a:xfrm>
-            <a:off x="460160" y="2202424"/>
-            <a:ext cx="8226640" cy="904569"/>
-          </a:xfrm>
-          <a:prstGeom prst="rect">
-            <a:avLst/>
-          </a:prstGeom>
-          <a:noFill/>
-        </p:spPr>
-        <p:style>
-          <a:lnRef idx="2">
-            <a:schemeClr val="accent1">
-              <a:shade val="50000"/>
-            </a:schemeClr>
-          </a:lnRef>
-          <a:fillRef idx="1">
-            <a:schemeClr val="accent1"/>
-          </a:fillRef>
-          <a:effectRef idx="0">
-            <a:schemeClr val="accent1"/>
-          </a:effectRef>
-          <a:fontRef idx="minor">
-            <a:schemeClr val="lt1"/>
-          </a:fontRef>
-        </p:style>
-        <p:txBody>
-          <a:bodyPr rtlCol="0" anchor="ctr"/>
-          <a:lstStyle/>
-          <a:p>
-            <a:pPr algn="ctr"/>
-            <a:endParaRPr lang="de-DE"/>
-          </a:p>
-        </p:txBody>
-      </p:sp>
-    </p:spTree>
-    <p:extLst>
-      <p:ext uri="{BB962C8B-B14F-4D97-AF65-F5344CB8AC3E}">
-        <p14:creationId xmlns:p14="http://schemas.microsoft.com/office/powerpoint/2010/main" val="1777248907"/>
-      </p:ext>
-    </p:extLst>
-  </p:cSld>
-  <p:clrMapOvr>
-    <a:masterClrMapping/>
-  </p:clrMapOvr>
-</p:sld>
-</file>
-
 <file path=ppt/slides/slide4.xml><?xml version="1.0" encoding="utf-8"?>
 <p:sld xmlns:a="http://schemas.openxmlformats.org/drawingml/2006/main" xmlns:r="http://schemas.openxmlformats.org/officeDocument/2006/relationships" xmlns:p="http://schemas.openxmlformats.org/presentationml/2006/main">
   <p:cSld>
@@ -19494,201 +17495,6 @@
     <p:extLst>
       <p:ext uri="{BB962C8B-B14F-4D97-AF65-F5344CB8AC3E}">
         <p14:creationId xmlns:p14="http://schemas.microsoft.com/office/powerpoint/2010/main" val="2942314253"/>
-      </p:ext>
-    </p:extLst>
-  </p:cSld>
-  <p:clrMapOvr>
-    <a:masterClrMapping/>
-  </p:clrMapOvr>
-</p:sld>
-</file>
-
-<file path=ppt/slides/slide40.xml><?xml version="1.0" encoding="utf-8"?>
-<p:sld xmlns:a="http://schemas.openxmlformats.org/drawingml/2006/main" xmlns:r="http://schemas.openxmlformats.org/officeDocument/2006/relationships" xmlns:p="http://schemas.openxmlformats.org/presentationml/2006/main">
-  <p:cSld>
-    <p:spTree>
-      <p:nvGrpSpPr>
-        <p:cNvPr id="1" name=""/>
-        <p:cNvGrpSpPr/>
-        <p:nvPr/>
-      </p:nvGrpSpPr>
-      <p:grpSpPr>
-        <a:xfrm>
-          <a:off x="0" y="0"/>
-          <a:ext cx="0" cy="0"/>
-          <a:chOff x="0" y="0"/>
-          <a:chExt cx="0" cy="0"/>
-        </a:xfrm>
-      </p:grpSpPr>
-      <p:pic>
-        <p:nvPicPr>
-          <p:cNvPr id="11" name="Picture 2" descr="C:\Users\Fani\AppData\Local\Microsoft\Windows\Temporary Internet Files\Content.IE5\I0EFC7SY\MPj04393810000[1].jpg"/>
-          <p:cNvPicPr>
-            <a:picLocks noChangeAspect="1" noChangeArrowheads="1"/>
-          </p:cNvPicPr>
-          <p:nvPr/>
-        </p:nvPicPr>
-        <p:blipFill rotWithShape="1">
-          <a:blip r:embed="rId3" cstate="print"/>
-          <a:srcRect l="5532" r="2431"/>
-          <a:stretch/>
-        </p:blipFill>
-        <p:spPr bwMode="auto">
-          <a:xfrm>
-            <a:off x="-15240" y="0"/>
-            <a:ext cx="9204960" cy="6858000"/>
-          </a:xfrm>
-          <a:prstGeom prst="rect">
-            <a:avLst/>
-          </a:prstGeom>
-          <a:noFill/>
-        </p:spPr>
-      </p:pic>
-      <p:sp>
-        <p:nvSpPr>
-          <p:cNvPr id="2" name="Foliennummernplatzhalter 1"/>
-          <p:cNvSpPr>
-            <a:spLocks noGrp="1"/>
-          </p:cNvSpPr>
-          <p:nvPr>
-            <p:ph type="sldNum" sz="quarter" idx="10"/>
-          </p:nvPr>
-        </p:nvSpPr>
-        <p:spPr/>
-        <p:txBody>
-          <a:bodyPr/>
-          <a:lstStyle/>
-          <a:p>
-            <a:pPr>
-              <a:defRPr/>
-            </a:pPr>
-            <a:fld id="{9C87652A-E3AB-4E0C-B658-757FA3F6E91D}" type="slidenum">
-              <a:rPr lang="en-US" smtClean="0"/>
-              <a:pPr>
-                <a:defRPr/>
-              </a:pPr>
-              <a:t>40</a:t>
-            </a:fld>
-            <a:endParaRPr lang="en-US"/>
-          </a:p>
-        </p:txBody>
-      </p:sp>
-      <p:sp>
-        <p:nvSpPr>
-          <p:cNvPr id="9" name="TextBox 8"/>
-          <p:cNvSpPr txBox="1"/>
-          <p:nvPr/>
-        </p:nvSpPr>
-        <p:spPr>
-          <a:xfrm>
-            <a:off x="929640" y="1381850"/>
-            <a:ext cx="7620000" cy="1015663"/>
-          </a:xfrm>
-          <a:prstGeom prst="rect">
-            <a:avLst/>
-          </a:prstGeom>
-          <a:noFill/>
-        </p:spPr>
-        <p:txBody>
-          <a:bodyPr wrap="square" rtlCol="0">
-            <a:spAutoFit/>
-          </a:bodyPr>
-          <a:lstStyle/>
-          <a:p>
-            <a:pPr algn="ctr"/>
-            <a:r>
-              <a:rPr lang="en-US" sz="6000" b="1" dirty="0" err="1">
-                <a:solidFill>
-                  <a:schemeClr val="accent3"/>
-                </a:solidFill>
-                <a:latin typeface="Segoe Script" pitchFamily="34" charset="0"/>
-              </a:rPr>
-              <a:t>Bis</a:t>
-            </a:r>
-            <a:r>
-              <a:rPr lang="en-US" sz="6000" b="1" dirty="0">
-                <a:solidFill>
-                  <a:schemeClr val="accent3"/>
-                </a:solidFill>
-                <a:latin typeface="Segoe Script" pitchFamily="34" charset="0"/>
-              </a:rPr>
-              <a:t> in 3 </a:t>
-            </a:r>
-            <a:r>
-              <a:rPr lang="en-US" sz="6000" b="1" dirty="0" err="1">
-                <a:solidFill>
-                  <a:schemeClr val="accent3"/>
-                </a:solidFill>
-                <a:latin typeface="Segoe Script" pitchFamily="34" charset="0"/>
-              </a:rPr>
-              <a:t>Wochen</a:t>
-            </a:r>
-            <a:r>
-              <a:rPr lang="en-US" sz="6000" b="1" dirty="0">
-                <a:solidFill>
-                  <a:schemeClr val="accent3"/>
-                </a:solidFill>
-                <a:latin typeface="Segoe Script" pitchFamily="34" charset="0"/>
-              </a:rPr>
-              <a:t>!</a:t>
-            </a:r>
-            <a:endParaRPr lang="en-US" b="1" dirty="0">
-              <a:solidFill>
-                <a:schemeClr val="accent3"/>
-              </a:solidFill>
-              <a:latin typeface="Segoe Script" pitchFamily="34" charset="0"/>
-            </a:endParaRPr>
-          </a:p>
-        </p:txBody>
-      </p:sp>
-      <p:sp>
-        <p:nvSpPr>
-          <p:cNvPr id="10" name="TextBox 9"/>
-          <p:cNvSpPr txBox="1"/>
-          <p:nvPr/>
-        </p:nvSpPr>
-        <p:spPr>
-          <a:xfrm>
-            <a:off x="1485900" y="3378030"/>
-            <a:ext cx="6332220" cy="754053"/>
-          </a:xfrm>
-          <a:prstGeom prst="rect">
-            <a:avLst/>
-          </a:prstGeom>
-          <a:noFill/>
-        </p:spPr>
-        <p:txBody>
-          <a:bodyPr wrap="square" rtlCol="0">
-            <a:spAutoFit/>
-          </a:bodyPr>
-          <a:lstStyle/>
-          <a:p>
-            <a:pPr algn="ctr"/>
-            <a:r>
-              <a:rPr lang="en-US" sz="3200" b="1" dirty="0">
-                <a:solidFill>
-                  <a:schemeClr val="accent3"/>
-                </a:solidFill>
-                <a:latin typeface="Bradley Hand ITC" pitchFamily="66" charset="0"/>
-              </a:rPr>
-              <a:t>hanna.gaspard@tu-dortmund.de</a:t>
-            </a:r>
-          </a:p>
-          <a:p>
-            <a:pPr algn="ctr"/>
-            <a:endParaRPr lang="en-US" sz="1100" b="1" dirty="0">
-              <a:solidFill>
-                <a:schemeClr val="accent3"/>
-              </a:solidFill>
-              <a:latin typeface="Bradley Hand ITC" pitchFamily="66" charset="0"/>
-            </a:endParaRPr>
-          </a:p>
-        </p:txBody>
-      </p:sp>
-    </p:spTree>
-    <p:extLst>
-      <p:ext uri="{BB962C8B-B14F-4D97-AF65-F5344CB8AC3E}">
-        <p14:creationId xmlns:p14="http://schemas.microsoft.com/office/powerpoint/2010/main" val="2960345956"/>
       </p:ext>
     </p:extLst>
   </p:cSld>
